--- a/docs/캡스톤2 로직.pptx
+++ b/docs/캡스톤2 로직.pptx
@@ -5,7 +5,7 @@
     <p:sldMasterId id="2147483648" r:id="rId1"/>
   </p:sldMasterIdLst>
   <p:notesMasterIdLst>
-    <p:notesMasterId r:id="rId8"/>
+    <p:notesMasterId r:id="rId10"/>
   </p:notesMasterIdLst>
   <p:sldIdLst>
     <p:sldId id="256" r:id="rId2"/>
@@ -14,6 +14,8 @@
     <p:sldId id="260" r:id="rId5"/>
     <p:sldId id="259" r:id="rId6"/>
     <p:sldId id="261" r:id="rId7"/>
+    <p:sldId id="262" r:id="rId8"/>
+    <p:sldId id="263" r:id="rId9"/>
   </p:sldIdLst>
   <p:sldSz cx="12192000" cy="6858000"/>
   <p:notesSz cx="6858000" cy="9144000"/>
@@ -112,6 +114,11 @@
       </a:defRPr>
     </a:lvl9pPr>
   </p:defaultTextStyle>
+  <p:extLst>
+    <p:ext uri="{EFAFB233-063F-42B5-8137-9DF3F51BA10A}">
+      <p15:sldGuideLst xmlns:p15="http://schemas.microsoft.com/office/powerpoint/2012/main"/>
+    </p:ext>
+  </p:extLst>
 </p:presentation>
 </file>
 
@@ -197,7 +204,7 @@
           <a:p>
             <a:fld id="{60176A0D-488A-464E-B932-667B5ED25526}" type="datetimeFigureOut">
               <a:rPr lang="ko-KR" altLang="en-US" smtClean="0"/>
-              <a:t>2020-10-29</a:t>
+              <a:t>2020-10-30</a:t>
             </a:fld>
             <a:endParaRPr lang="ko-KR" altLang="en-US"/>
           </a:p>
@@ -611,7 +618,7 @@
           <a:p>
             <a:fld id="{13C9130C-1EEE-499B-A1A9-4E3DAD1EC810}" type="datetimeFigureOut">
               <a:rPr lang="ko-KR" altLang="en-US" smtClean="0"/>
-              <a:t>2020-10-29</a:t>
+              <a:t>2020-10-30</a:t>
             </a:fld>
             <a:endParaRPr lang="ko-KR" altLang="en-US"/>
           </a:p>
@@ -809,7 +816,7 @@
           <a:p>
             <a:fld id="{13C9130C-1EEE-499B-A1A9-4E3DAD1EC810}" type="datetimeFigureOut">
               <a:rPr lang="ko-KR" altLang="en-US" smtClean="0"/>
-              <a:t>2020-10-29</a:t>
+              <a:t>2020-10-30</a:t>
             </a:fld>
             <a:endParaRPr lang="ko-KR" altLang="en-US"/>
           </a:p>
@@ -1017,7 +1024,7 @@
           <a:p>
             <a:fld id="{13C9130C-1EEE-499B-A1A9-4E3DAD1EC810}" type="datetimeFigureOut">
               <a:rPr lang="ko-KR" altLang="en-US" smtClean="0"/>
-              <a:t>2020-10-29</a:t>
+              <a:t>2020-10-30</a:t>
             </a:fld>
             <a:endParaRPr lang="ko-KR" altLang="en-US"/>
           </a:p>
@@ -1215,7 +1222,7 @@
           <a:p>
             <a:fld id="{13C9130C-1EEE-499B-A1A9-4E3DAD1EC810}" type="datetimeFigureOut">
               <a:rPr lang="ko-KR" altLang="en-US" smtClean="0"/>
-              <a:t>2020-10-29</a:t>
+              <a:t>2020-10-30</a:t>
             </a:fld>
             <a:endParaRPr lang="ko-KR" altLang="en-US"/>
           </a:p>
@@ -1490,7 +1497,7 @@
           <a:p>
             <a:fld id="{13C9130C-1EEE-499B-A1A9-4E3DAD1EC810}" type="datetimeFigureOut">
               <a:rPr lang="ko-KR" altLang="en-US" smtClean="0"/>
-              <a:t>2020-10-29</a:t>
+              <a:t>2020-10-30</a:t>
             </a:fld>
             <a:endParaRPr lang="ko-KR" altLang="en-US"/>
           </a:p>
@@ -1755,7 +1762,7 @@
           <a:p>
             <a:fld id="{13C9130C-1EEE-499B-A1A9-4E3DAD1EC810}" type="datetimeFigureOut">
               <a:rPr lang="ko-KR" altLang="en-US" smtClean="0"/>
-              <a:t>2020-10-29</a:t>
+              <a:t>2020-10-30</a:t>
             </a:fld>
             <a:endParaRPr lang="ko-KR" altLang="en-US"/>
           </a:p>
@@ -2167,7 +2174,7 @@
           <a:p>
             <a:fld id="{13C9130C-1EEE-499B-A1A9-4E3DAD1EC810}" type="datetimeFigureOut">
               <a:rPr lang="ko-KR" altLang="en-US" smtClean="0"/>
-              <a:t>2020-10-29</a:t>
+              <a:t>2020-10-30</a:t>
             </a:fld>
             <a:endParaRPr lang="ko-KR" altLang="en-US"/>
           </a:p>
@@ -2308,7 +2315,7 @@
           <a:p>
             <a:fld id="{13C9130C-1EEE-499B-A1A9-4E3DAD1EC810}" type="datetimeFigureOut">
               <a:rPr lang="ko-KR" altLang="en-US" smtClean="0"/>
-              <a:t>2020-10-29</a:t>
+              <a:t>2020-10-30</a:t>
             </a:fld>
             <a:endParaRPr lang="ko-KR" altLang="en-US"/>
           </a:p>
@@ -2421,7 +2428,7 @@
           <a:p>
             <a:fld id="{13C9130C-1EEE-499B-A1A9-4E3DAD1EC810}" type="datetimeFigureOut">
               <a:rPr lang="ko-KR" altLang="en-US" smtClean="0"/>
-              <a:t>2020-10-29</a:t>
+              <a:t>2020-10-30</a:t>
             </a:fld>
             <a:endParaRPr lang="ko-KR" altLang="en-US"/>
           </a:p>
@@ -2732,7 +2739,7 @@
           <a:p>
             <a:fld id="{13C9130C-1EEE-499B-A1A9-4E3DAD1EC810}" type="datetimeFigureOut">
               <a:rPr lang="ko-KR" altLang="en-US" smtClean="0"/>
-              <a:t>2020-10-29</a:t>
+              <a:t>2020-10-30</a:t>
             </a:fld>
             <a:endParaRPr lang="ko-KR" altLang="en-US"/>
           </a:p>
@@ -3020,7 +3027,7 @@
           <a:p>
             <a:fld id="{13C9130C-1EEE-499B-A1A9-4E3DAD1EC810}" type="datetimeFigureOut">
               <a:rPr lang="ko-KR" altLang="en-US" smtClean="0"/>
-              <a:t>2020-10-29</a:t>
+              <a:t>2020-10-30</a:t>
             </a:fld>
             <a:endParaRPr lang="ko-KR" altLang="en-US"/>
           </a:p>
@@ -3261,7 +3268,7 @@
           <a:p>
             <a:fld id="{13C9130C-1EEE-499B-A1A9-4E3DAD1EC810}" type="datetimeFigureOut">
               <a:rPr lang="ko-KR" altLang="en-US" smtClean="0"/>
-              <a:t>2020-10-29</a:t>
+              <a:t>2020-10-30</a:t>
             </a:fld>
             <a:endParaRPr lang="ko-KR" altLang="en-US"/>
           </a:p>
@@ -4664,7 +4671,7 @@
         <p:spPr>
           <a:xfrm>
             <a:off x="5127810" y="5143561"/>
-            <a:ext cx="2312895" cy="802132"/>
+            <a:ext cx="2312895" cy="1129552"/>
           </a:xfrm>
           <a:prstGeom prst="rect">
             <a:avLst/>
@@ -4726,6 +4733,43 @@
               </a:rPr>
               <a:t>유효한지 검증</a:t>
             </a:r>
+            <a:endParaRPr lang="en-US" altLang="ko-KR" dirty="0">
+              <a:solidFill>
+                <a:schemeClr val="tx1"/>
+              </a:solidFill>
+            </a:endParaRPr>
+          </a:p>
+          <a:p>
+            <a:pPr algn="ctr"/>
+            <a:r>
+              <a:rPr lang="en-US" altLang="ko-KR" dirty="0">
+                <a:solidFill>
+                  <a:schemeClr val="tx1"/>
+                </a:solidFill>
+              </a:rPr>
+              <a:t>(5</a:t>
+            </a:r>
+            <a:r>
+              <a:rPr lang="ko-KR" altLang="en-US" dirty="0">
+                <a:solidFill>
+                  <a:schemeClr val="tx1"/>
+                </a:solidFill>
+              </a:rPr>
+              <a:t>분 동안 유효</a:t>
+            </a:r>
+            <a:r>
+              <a:rPr lang="en-US" altLang="ko-KR" dirty="0">
+                <a:solidFill>
+                  <a:schemeClr val="tx1"/>
+                </a:solidFill>
+              </a:rPr>
+              <a:t>)</a:t>
+            </a:r>
+            <a:endParaRPr lang="ko-KR" altLang="en-US" dirty="0">
+              <a:solidFill>
+                <a:schemeClr val="tx1"/>
+              </a:solidFill>
+            </a:endParaRPr>
           </a:p>
         </p:txBody>
       </p:sp>
@@ -4921,9 +4965,9 @@
           <p:nvPr/>
         </p:nvCxnSpPr>
         <p:spPr>
-          <a:xfrm>
-            <a:off x="7440705" y="5773271"/>
-            <a:ext cx="1807052" cy="211048"/>
+          <a:xfrm flipV="1">
+            <a:off x="7440705" y="5984319"/>
+            <a:ext cx="1807052" cy="57894"/>
           </a:xfrm>
           <a:prstGeom prst="straightConnector1">
             <a:avLst/>
@@ -6041,7 +6085,14 @@
           <a:bodyPr/>
           <a:lstStyle/>
           <a:p>
-            <a:endParaRPr lang="ko-KR" altLang="en-US"/>
+            <a:r>
+              <a:rPr lang="en-US" altLang="ko-KR" dirty="0"/>
+              <a:t>DB </a:t>
+            </a:r>
+            <a:r>
+              <a:rPr lang="ko-KR" altLang="en-US" dirty="0"/>
+              <a:t>내용</a:t>
+            </a:r>
           </a:p>
         </p:txBody>
       </p:sp>
@@ -6066,7 +6117,25 @@
           <a:bodyPr/>
           <a:lstStyle/>
           <a:p>
-            <a:endParaRPr lang="ko-KR" altLang="en-US"/>
+            <a:r>
+              <a:rPr lang="ko-KR" altLang="en-US" dirty="0"/>
+              <a:t>문서는 가벼워야 한다</a:t>
+            </a:r>
+            <a:r>
+              <a:rPr lang="en-US" altLang="ko-KR" dirty="0"/>
+              <a:t>.</a:t>
+            </a:r>
+          </a:p>
+          <a:p>
+            <a:r>
+              <a:rPr lang="ko-KR" altLang="en-US" dirty="0"/>
+              <a:t>양 많은 경우 컬렉션으로 만들 것</a:t>
+            </a:r>
+            <a:r>
+              <a:rPr lang="en-US" altLang="ko-KR" dirty="0"/>
+              <a:t>.</a:t>
+            </a:r>
+            <a:endParaRPr lang="ko-KR" altLang="en-US" dirty="0"/>
           </a:p>
         </p:txBody>
       </p:sp>
@@ -6074,6 +6143,324 @@
     <p:extLst>
       <p:ext uri="{BB962C8B-B14F-4D97-AF65-F5344CB8AC3E}">
         <p14:creationId xmlns:p14="http://schemas.microsoft.com/office/powerpoint/2010/main" val="2291550601"/>
+      </p:ext>
+    </p:extLst>
+  </p:cSld>
+  <p:clrMapOvr>
+    <a:masterClrMapping/>
+  </p:clrMapOvr>
+</p:sld>
+</file>
+
+<file path=ppt/slides/slide7.xml><?xml version="1.0" encoding="utf-8"?>
+<p:sld xmlns:a="http://schemas.openxmlformats.org/drawingml/2006/main" xmlns:r="http://schemas.openxmlformats.org/officeDocument/2006/relationships" xmlns:p="http://schemas.openxmlformats.org/presentationml/2006/main">
+  <p:cSld>
+    <p:spTree>
+      <p:nvGrpSpPr>
+        <p:cNvPr id="1" name=""/>
+        <p:cNvGrpSpPr/>
+        <p:nvPr/>
+      </p:nvGrpSpPr>
+      <p:grpSpPr>
+        <a:xfrm>
+          <a:off x="0" y="0"/>
+          <a:ext cx="0" cy="0"/>
+          <a:chOff x="0" y="0"/>
+          <a:chExt cx="0" cy="0"/>
+        </a:xfrm>
+      </p:grpSpPr>
+      <p:pic>
+        <p:nvPicPr>
+          <p:cNvPr id="4" name="그림 3">
+            <a:extLst>
+              <a:ext uri="{FF2B5EF4-FFF2-40B4-BE49-F238E27FC236}">
+                <a16:creationId xmlns:a16="http://schemas.microsoft.com/office/drawing/2014/main" id="{64A41493-99E5-41C7-8321-D7956506E3B0}"/>
+              </a:ext>
+            </a:extLst>
+          </p:cNvPr>
+          <p:cNvPicPr>
+            <a:picLocks noChangeAspect="1"/>
+          </p:cNvPicPr>
+          <p:nvPr/>
+        </p:nvPicPr>
+        <p:blipFill>
+          <a:blip r:embed="rId2"/>
+          <a:stretch>
+            <a:fillRect/>
+          </a:stretch>
+        </p:blipFill>
+        <p:spPr>
+          <a:xfrm>
+            <a:off x="1295204" y="1633199"/>
+            <a:ext cx="2564932" cy="4281894"/>
+          </a:xfrm>
+          <a:prstGeom prst="rect">
+            <a:avLst/>
+          </a:prstGeom>
+        </p:spPr>
+      </p:pic>
+      <p:pic>
+        <p:nvPicPr>
+          <p:cNvPr id="5" name="그림 4">
+            <a:extLst>
+              <a:ext uri="{FF2B5EF4-FFF2-40B4-BE49-F238E27FC236}">
+                <a16:creationId xmlns:a16="http://schemas.microsoft.com/office/drawing/2014/main" id="{8CC9AC3C-FBFA-4A0A-BFBA-1E19021035AA}"/>
+              </a:ext>
+            </a:extLst>
+          </p:cNvPr>
+          <p:cNvPicPr>
+            <a:picLocks noChangeAspect="1"/>
+          </p:cNvPicPr>
+          <p:nvPr/>
+        </p:nvPicPr>
+        <p:blipFill>
+          <a:blip r:embed="rId2"/>
+          <a:stretch>
+            <a:fillRect/>
+          </a:stretch>
+        </p:blipFill>
+        <p:spPr>
+          <a:xfrm>
+            <a:off x="4297818" y="1633199"/>
+            <a:ext cx="2564932" cy="4281894"/>
+          </a:xfrm>
+          <a:prstGeom prst="rect">
+            <a:avLst/>
+          </a:prstGeom>
+        </p:spPr>
+      </p:pic>
+      <p:sp>
+        <p:nvSpPr>
+          <p:cNvPr id="6" name="TextBox 5">
+            <a:extLst>
+              <a:ext uri="{FF2B5EF4-FFF2-40B4-BE49-F238E27FC236}">
+                <a16:creationId xmlns:a16="http://schemas.microsoft.com/office/drawing/2014/main" id="{FF794CE9-18DB-4D59-AAF5-CF24B0E85FD2}"/>
+              </a:ext>
+            </a:extLst>
+          </p:cNvPr>
+          <p:cNvSpPr txBox="1"/>
+          <p:nvPr/>
+        </p:nvSpPr>
+        <p:spPr>
+          <a:xfrm>
+            <a:off x="237744" y="256032"/>
+            <a:ext cx="4450257" cy="369332"/>
+          </a:xfrm>
+          <a:prstGeom prst="rect">
+            <a:avLst/>
+          </a:prstGeom>
+          <a:noFill/>
+        </p:spPr>
+        <p:txBody>
+          <a:bodyPr wrap="none" rtlCol="0">
+            <a:spAutoFit/>
+          </a:bodyPr>
+          <a:lstStyle/>
+          <a:p>
+            <a:r>
+              <a:rPr lang="ko-KR" altLang="en-US" dirty="0"/>
+              <a:t>각  카페의 스탬프가 완성되지 않은 경우</a:t>
+            </a:r>
+          </a:p>
+        </p:txBody>
+      </p:sp>
+      <p:pic>
+        <p:nvPicPr>
+          <p:cNvPr id="7" name="그림 6">
+            <a:extLst>
+              <a:ext uri="{FF2B5EF4-FFF2-40B4-BE49-F238E27FC236}">
+                <a16:creationId xmlns:a16="http://schemas.microsoft.com/office/drawing/2014/main" id="{6E724743-B2BF-43E7-A12C-FF59C32A2976}"/>
+              </a:ext>
+            </a:extLst>
+          </p:cNvPr>
+          <p:cNvPicPr>
+            <a:picLocks noChangeAspect="1"/>
+          </p:cNvPicPr>
+          <p:nvPr/>
+        </p:nvPicPr>
+        <p:blipFill>
+          <a:blip r:embed="rId2"/>
+          <a:stretch>
+            <a:fillRect/>
+          </a:stretch>
+        </p:blipFill>
+        <p:spPr>
+          <a:xfrm>
+            <a:off x="7223898" y="1633200"/>
+            <a:ext cx="2564932" cy="4281894"/>
+          </a:xfrm>
+          <a:prstGeom prst="rect">
+            <a:avLst/>
+          </a:prstGeom>
+        </p:spPr>
+      </p:pic>
+    </p:spTree>
+    <p:extLst>
+      <p:ext uri="{BB962C8B-B14F-4D97-AF65-F5344CB8AC3E}">
+        <p14:creationId xmlns:p14="http://schemas.microsoft.com/office/powerpoint/2010/main" val="1760557761"/>
+      </p:ext>
+    </p:extLst>
+  </p:cSld>
+  <p:clrMapOvr>
+    <a:masterClrMapping/>
+  </p:clrMapOvr>
+</p:sld>
+</file>
+
+<file path=ppt/slides/slide8.xml><?xml version="1.0" encoding="utf-8"?>
+<p:sld xmlns:a="http://schemas.openxmlformats.org/drawingml/2006/main" xmlns:r="http://schemas.openxmlformats.org/officeDocument/2006/relationships" xmlns:p="http://schemas.openxmlformats.org/presentationml/2006/main">
+  <p:cSld>
+    <p:spTree>
+      <p:nvGrpSpPr>
+        <p:cNvPr id="1" name=""/>
+        <p:cNvGrpSpPr/>
+        <p:nvPr/>
+      </p:nvGrpSpPr>
+      <p:grpSpPr>
+        <a:xfrm>
+          <a:off x="0" y="0"/>
+          <a:ext cx="0" cy="0"/>
+          <a:chOff x="0" y="0"/>
+          <a:chExt cx="0" cy="0"/>
+        </a:xfrm>
+      </p:grpSpPr>
+      <p:sp>
+        <p:nvSpPr>
+          <p:cNvPr id="6" name="TextBox 5">
+            <a:extLst>
+              <a:ext uri="{FF2B5EF4-FFF2-40B4-BE49-F238E27FC236}">
+                <a16:creationId xmlns:a16="http://schemas.microsoft.com/office/drawing/2014/main" id="{FF794CE9-18DB-4D59-AAF5-CF24B0E85FD2}"/>
+              </a:ext>
+            </a:extLst>
+          </p:cNvPr>
+          <p:cNvSpPr txBox="1"/>
+          <p:nvPr/>
+        </p:nvSpPr>
+        <p:spPr>
+          <a:xfrm>
+            <a:off x="349746" y="573574"/>
+            <a:ext cx="3929281" cy="369332"/>
+          </a:xfrm>
+          <a:prstGeom prst="rect">
+            <a:avLst/>
+          </a:prstGeom>
+          <a:noFill/>
+        </p:spPr>
+        <p:txBody>
+          <a:bodyPr wrap="none" rtlCol="0">
+            <a:spAutoFit/>
+          </a:bodyPr>
+          <a:lstStyle/>
+          <a:p>
+            <a:r>
+              <a:rPr lang="ko-KR" altLang="en-US" dirty="0"/>
+              <a:t>한 카페의 쿠폰이 </a:t>
+            </a:r>
+            <a:r>
+              <a:rPr lang="en-US" altLang="ko-KR" dirty="0"/>
+              <a:t>20</a:t>
+            </a:r>
+            <a:r>
+              <a:rPr lang="ko-KR" altLang="en-US" dirty="0"/>
+              <a:t>개가 넘는 경우</a:t>
+            </a:r>
+          </a:p>
+        </p:txBody>
+      </p:sp>
+      <p:pic>
+        <p:nvPicPr>
+          <p:cNvPr id="7" name="그림 6">
+            <a:extLst>
+              <a:ext uri="{FF2B5EF4-FFF2-40B4-BE49-F238E27FC236}">
+                <a16:creationId xmlns:a16="http://schemas.microsoft.com/office/drawing/2014/main" id="{6E724743-B2BF-43E7-A12C-FF59C32A2976}"/>
+              </a:ext>
+            </a:extLst>
+          </p:cNvPr>
+          <p:cNvPicPr>
+            <a:picLocks noChangeAspect="1"/>
+          </p:cNvPicPr>
+          <p:nvPr/>
+        </p:nvPicPr>
+        <p:blipFill>
+          <a:blip r:embed="rId2"/>
+          <a:stretch>
+            <a:fillRect/>
+          </a:stretch>
+        </p:blipFill>
+        <p:spPr>
+          <a:xfrm>
+            <a:off x="7223898" y="1633200"/>
+            <a:ext cx="2564932" cy="4281894"/>
+          </a:xfrm>
+          <a:prstGeom prst="rect">
+            <a:avLst/>
+          </a:prstGeom>
+        </p:spPr>
+      </p:pic>
+      <p:pic>
+        <p:nvPicPr>
+          <p:cNvPr id="2" name="그림 1">
+            <a:extLst>
+              <a:ext uri="{FF2B5EF4-FFF2-40B4-BE49-F238E27FC236}">
+                <a16:creationId xmlns:a16="http://schemas.microsoft.com/office/drawing/2014/main" id="{0F3D99F0-5190-48FB-AAD9-9B6260EABC4C}"/>
+              </a:ext>
+            </a:extLst>
+          </p:cNvPr>
+          <p:cNvPicPr>
+            <a:picLocks noChangeAspect="1"/>
+          </p:cNvPicPr>
+          <p:nvPr/>
+        </p:nvPicPr>
+        <p:blipFill>
+          <a:blip r:embed="rId3"/>
+          <a:stretch>
+            <a:fillRect/>
+          </a:stretch>
+        </p:blipFill>
+        <p:spPr>
+          <a:xfrm>
+            <a:off x="1334156" y="1633200"/>
+            <a:ext cx="2602019" cy="4281894"/>
+          </a:xfrm>
+          <a:prstGeom prst="rect">
+            <a:avLst/>
+          </a:prstGeom>
+        </p:spPr>
+      </p:pic>
+      <p:pic>
+        <p:nvPicPr>
+          <p:cNvPr id="3" name="그림 2">
+            <a:extLst>
+              <a:ext uri="{FF2B5EF4-FFF2-40B4-BE49-F238E27FC236}">
+                <a16:creationId xmlns:a16="http://schemas.microsoft.com/office/drawing/2014/main" id="{9F45E7E4-9F47-4384-834B-E29E7E61361A}"/>
+              </a:ext>
+            </a:extLst>
+          </p:cNvPr>
+          <p:cNvPicPr>
+            <a:picLocks noChangeAspect="1"/>
+          </p:cNvPicPr>
+          <p:nvPr/>
+        </p:nvPicPr>
+        <p:blipFill>
+          <a:blip r:embed="rId3"/>
+          <a:stretch>
+            <a:fillRect/>
+          </a:stretch>
+        </p:blipFill>
+        <p:spPr>
+          <a:xfrm>
+            <a:off x="4279027" y="1633200"/>
+            <a:ext cx="2602019" cy="4281894"/>
+          </a:xfrm>
+          <a:prstGeom prst="rect">
+            <a:avLst/>
+          </a:prstGeom>
+        </p:spPr>
+      </p:pic>
+    </p:spTree>
+    <p:extLst>
+      <p:ext uri="{BB962C8B-B14F-4D97-AF65-F5344CB8AC3E}">
+        <p14:creationId xmlns:p14="http://schemas.microsoft.com/office/powerpoint/2010/main" val="2522843699"/>
       </p:ext>
     </p:extLst>
   </p:cSld>

--- a/docs/캡스톤2 로직.pptx
+++ b/docs/캡스톤2 로직.pptx
@@ -204,7 +204,7 @@
           <a:p>
             <a:fld id="{60176A0D-488A-464E-B932-667B5ED25526}" type="datetimeFigureOut">
               <a:rPr lang="ko-KR" altLang="en-US" smtClean="0"/>
-              <a:t>2020-10-30</a:t>
+              <a:t>2020-11-01</a:t>
             </a:fld>
             <a:endParaRPr lang="ko-KR" altLang="en-US"/>
           </a:p>
@@ -618,7 +618,7 @@
           <a:p>
             <a:fld id="{13C9130C-1EEE-499B-A1A9-4E3DAD1EC810}" type="datetimeFigureOut">
               <a:rPr lang="ko-KR" altLang="en-US" smtClean="0"/>
-              <a:t>2020-10-30</a:t>
+              <a:t>2020-11-01</a:t>
             </a:fld>
             <a:endParaRPr lang="ko-KR" altLang="en-US"/>
           </a:p>
@@ -816,7 +816,7 @@
           <a:p>
             <a:fld id="{13C9130C-1EEE-499B-A1A9-4E3DAD1EC810}" type="datetimeFigureOut">
               <a:rPr lang="ko-KR" altLang="en-US" smtClean="0"/>
-              <a:t>2020-10-30</a:t>
+              <a:t>2020-11-01</a:t>
             </a:fld>
             <a:endParaRPr lang="ko-KR" altLang="en-US"/>
           </a:p>
@@ -1024,7 +1024,7 @@
           <a:p>
             <a:fld id="{13C9130C-1EEE-499B-A1A9-4E3DAD1EC810}" type="datetimeFigureOut">
               <a:rPr lang="ko-KR" altLang="en-US" smtClean="0"/>
-              <a:t>2020-10-30</a:t>
+              <a:t>2020-11-01</a:t>
             </a:fld>
             <a:endParaRPr lang="ko-KR" altLang="en-US"/>
           </a:p>
@@ -1222,7 +1222,7 @@
           <a:p>
             <a:fld id="{13C9130C-1EEE-499B-A1A9-4E3DAD1EC810}" type="datetimeFigureOut">
               <a:rPr lang="ko-KR" altLang="en-US" smtClean="0"/>
-              <a:t>2020-10-30</a:t>
+              <a:t>2020-11-01</a:t>
             </a:fld>
             <a:endParaRPr lang="ko-KR" altLang="en-US"/>
           </a:p>
@@ -1497,7 +1497,7 @@
           <a:p>
             <a:fld id="{13C9130C-1EEE-499B-A1A9-4E3DAD1EC810}" type="datetimeFigureOut">
               <a:rPr lang="ko-KR" altLang="en-US" smtClean="0"/>
-              <a:t>2020-10-30</a:t>
+              <a:t>2020-11-01</a:t>
             </a:fld>
             <a:endParaRPr lang="ko-KR" altLang="en-US"/>
           </a:p>
@@ -1762,7 +1762,7 @@
           <a:p>
             <a:fld id="{13C9130C-1EEE-499B-A1A9-4E3DAD1EC810}" type="datetimeFigureOut">
               <a:rPr lang="ko-KR" altLang="en-US" smtClean="0"/>
-              <a:t>2020-10-30</a:t>
+              <a:t>2020-11-01</a:t>
             </a:fld>
             <a:endParaRPr lang="ko-KR" altLang="en-US"/>
           </a:p>
@@ -2174,7 +2174,7 @@
           <a:p>
             <a:fld id="{13C9130C-1EEE-499B-A1A9-4E3DAD1EC810}" type="datetimeFigureOut">
               <a:rPr lang="ko-KR" altLang="en-US" smtClean="0"/>
-              <a:t>2020-10-30</a:t>
+              <a:t>2020-11-01</a:t>
             </a:fld>
             <a:endParaRPr lang="ko-KR" altLang="en-US"/>
           </a:p>
@@ -2315,7 +2315,7 @@
           <a:p>
             <a:fld id="{13C9130C-1EEE-499B-A1A9-4E3DAD1EC810}" type="datetimeFigureOut">
               <a:rPr lang="ko-KR" altLang="en-US" smtClean="0"/>
-              <a:t>2020-10-30</a:t>
+              <a:t>2020-11-01</a:t>
             </a:fld>
             <a:endParaRPr lang="ko-KR" altLang="en-US"/>
           </a:p>
@@ -2428,7 +2428,7 @@
           <a:p>
             <a:fld id="{13C9130C-1EEE-499B-A1A9-4E3DAD1EC810}" type="datetimeFigureOut">
               <a:rPr lang="ko-KR" altLang="en-US" smtClean="0"/>
-              <a:t>2020-10-30</a:t>
+              <a:t>2020-11-01</a:t>
             </a:fld>
             <a:endParaRPr lang="ko-KR" altLang="en-US"/>
           </a:p>
@@ -2739,7 +2739,7 @@
           <a:p>
             <a:fld id="{13C9130C-1EEE-499B-A1A9-4E3DAD1EC810}" type="datetimeFigureOut">
               <a:rPr lang="ko-KR" altLang="en-US" smtClean="0"/>
-              <a:t>2020-10-30</a:t>
+              <a:t>2020-11-01</a:t>
             </a:fld>
             <a:endParaRPr lang="ko-KR" altLang="en-US"/>
           </a:p>
@@ -3027,7 +3027,7 @@
           <a:p>
             <a:fld id="{13C9130C-1EEE-499B-A1A9-4E3DAD1EC810}" type="datetimeFigureOut">
               <a:rPr lang="ko-KR" altLang="en-US" smtClean="0"/>
-              <a:t>2020-10-30</a:t>
+              <a:t>2020-11-01</a:t>
             </a:fld>
             <a:endParaRPr lang="ko-KR" altLang="en-US"/>
           </a:p>
@@ -3268,7 +3268,7 @@
           <a:p>
             <a:fld id="{13C9130C-1EEE-499B-A1A9-4E3DAD1EC810}" type="datetimeFigureOut">
               <a:rPr lang="ko-KR" altLang="en-US" smtClean="0"/>
-              <a:t>2020-10-30</a:t>
+              <a:t>2020-11-01</a:t>
             </a:fld>
             <a:endParaRPr lang="ko-KR" altLang="en-US"/>
           </a:p>
@@ -3833,6 +3833,43 @@
               </a:rPr>
               <a:t>쿠폰사용버튼클릭</a:t>
             </a:r>
+            <a:endParaRPr lang="en-US" altLang="ko-KR" dirty="0">
+              <a:solidFill>
+                <a:schemeClr val="tx1"/>
+              </a:solidFill>
+            </a:endParaRPr>
+          </a:p>
+          <a:p>
+            <a:pPr algn="ctr"/>
+            <a:r>
+              <a:rPr lang="en-US" altLang="ko-KR" dirty="0">
+                <a:solidFill>
+                  <a:schemeClr val="tx1"/>
+                </a:solidFill>
+              </a:rPr>
+              <a:t>(10</a:t>
+            </a:r>
+            <a:r>
+              <a:rPr lang="ko-KR" altLang="en-US" dirty="0">
+                <a:solidFill>
+                  <a:schemeClr val="tx1"/>
+                </a:solidFill>
+              </a:rPr>
+              <a:t>개 이상인 경우</a:t>
+            </a:r>
+            <a:r>
+              <a:rPr lang="en-US" altLang="ko-KR" dirty="0">
+                <a:solidFill>
+                  <a:schemeClr val="tx1"/>
+                </a:solidFill>
+              </a:rPr>
+              <a:t>)</a:t>
+            </a:r>
+            <a:endParaRPr lang="ko-KR" altLang="en-US" dirty="0">
+              <a:solidFill>
+                <a:schemeClr val="tx1"/>
+              </a:solidFill>
+            </a:endParaRPr>
           </a:p>
         </p:txBody>
       </p:sp>
@@ -3850,7 +3887,7 @@
         </p:nvSpPr>
         <p:spPr>
           <a:xfrm>
-            <a:off x="5692589" y="815787"/>
+            <a:off x="9054354" y="824752"/>
             <a:ext cx="2312895" cy="369332"/>
           </a:xfrm>
           <a:prstGeom prst="rect">
@@ -3922,7 +3959,7 @@
         </p:nvSpPr>
         <p:spPr>
           <a:xfrm>
-            <a:off x="9439836" y="815787"/>
+            <a:off x="5764305" y="824752"/>
             <a:ext cx="2312895" cy="369332"/>
           </a:xfrm>
           <a:prstGeom prst="rect">
@@ -3993,8 +4030,8 @@
         </p:nvSpPr>
         <p:spPr>
           <a:xfrm>
-            <a:off x="5127813" y="1749895"/>
-            <a:ext cx="2312895" cy="625047"/>
+            <a:off x="8382000" y="2803953"/>
+            <a:ext cx="2312895" cy="890015"/>
           </a:xfrm>
           <a:prstGeom prst="rect">
             <a:avLst/>
@@ -4030,7 +4067,7 @@
                   <a:schemeClr val="tx1"/>
                 </a:solidFill>
               </a:rPr>
-              <a:t>2.</a:t>
+              <a:t>4.</a:t>
             </a:r>
             <a:r>
               <a:rPr lang="ko-KR" altLang="en-US" dirty="0">
@@ -4054,7 +4091,23 @@
                   <a:schemeClr val="tx1"/>
                 </a:solidFill>
               </a:rPr>
-              <a:t>로 쿠폰 검색</a:t>
+              <a:t>와 카페</a:t>
+            </a:r>
+            <a:r>
+              <a:rPr lang="en-US" altLang="ko-KR" dirty="0">
+                <a:solidFill>
+                  <a:schemeClr val="tx1"/>
+                </a:solidFill>
+              </a:rPr>
+              <a:t>ID</a:t>
+            </a:r>
+            <a:r>
+              <a:rPr lang="ko-KR" altLang="en-US" dirty="0">
+                <a:solidFill>
+                  <a:schemeClr val="tx1"/>
+                </a:solidFill>
+              </a:rPr>
+              <a:t>로 도장 개수 검색</a:t>
             </a:r>
           </a:p>
         </p:txBody>
@@ -4073,7 +4126,7 @@
         </p:nvSpPr>
         <p:spPr>
           <a:xfrm>
-            <a:off x="9247757" y="4390030"/>
+            <a:off x="4939551" y="2598691"/>
             <a:ext cx="2312895" cy="802132"/>
           </a:xfrm>
           <a:prstGeom prst="rect">
@@ -4110,7 +4163,7 @@
                   <a:schemeClr val="tx1"/>
                 </a:solidFill>
               </a:rPr>
-              <a:t>6.</a:t>
+              <a:t>3.</a:t>
             </a:r>
             <a:r>
               <a:rPr lang="ko-KR" altLang="en-US" dirty="0">
@@ -4149,10 +4202,10 @@
       </p:sp>
       <p:sp>
         <p:nvSpPr>
-          <p:cNvPr id="16" name="직사각형 15">
-            <a:extLst>
-              <a:ext uri="{FF2B5EF4-FFF2-40B4-BE49-F238E27FC236}">
-                <a16:creationId xmlns:a16="http://schemas.microsoft.com/office/drawing/2014/main" id="{3FACF3A7-77C7-48B3-9AAB-FD00BB79AA5F}"/>
+          <p:cNvPr id="26" name="직사각형 25">
+            <a:extLst>
+              <a:ext uri="{FF2B5EF4-FFF2-40B4-BE49-F238E27FC236}">
+                <a16:creationId xmlns:a16="http://schemas.microsoft.com/office/drawing/2014/main" id="{B994DABD-B298-43CA-9FE2-54A106615F2A}"/>
               </a:ext>
             </a:extLst>
           </p:cNvPr>
@@ -4161,8 +4214,8 @@
         </p:nvSpPr>
         <p:spPr>
           <a:xfrm>
-            <a:off x="5127813" y="2596606"/>
-            <a:ext cx="2312895" cy="848569"/>
+            <a:off x="528917" y="2287324"/>
+            <a:ext cx="2312895" cy="1424866"/>
           </a:xfrm>
           <a:prstGeom prst="rect">
             <a:avLst/>
@@ -4198,7 +4251,7 @@
                   <a:schemeClr val="tx1"/>
                 </a:solidFill>
               </a:rPr>
-              <a:t>3.</a:t>
+              <a:t>2.</a:t>
             </a:r>
             <a:r>
               <a:rPr lang="ko-KR" altLang="en-US" dirty="0">
@@ -4206,85 +4259,340 @@
                   <a:schemeClr val="tx1"/>
                 </a:solidFill>
               </a:rPr>
-              <a:t>쿠폰 사용 합당한지 검사</a:t>
-            </a:r>
-          </a:p>
-        </p:txBody>
-      </p:sp>
-      <p:sp>
-        <p:nvSpPr>
-          <p:cNvPr id="20" name="TextBox 19">
-            <a:extLst>
-              <a:ext uri="{FF2B5EF4-FFF2-40B4-BE49-F238E27FC236}">
-                <a16:creationId xmlns:a16="http://schemas.microsoft.com/office/drawing/2014/main" id="{009DCE19-957A-492D-BCD2-F35480AE0C6F}"/>
-              </a:ext>
-            </a:extLst>
-          </p:cNvPr>
-          <p:cNvSpPr txBox="1"/>
+              <a:t>유저의</a:t>
+            </a:r>
+            <a:r>
+              <a:rPr lang="en-US" altLang="ko-KR" dirty="0">
+                <a:solidFill>
+                  <a:schemeClr val="tx1"/>
+                </a:solidFill>
+              </a:rPr>
+              <a:t>ID</a:t>
+            </a:r>
+            <a:r>
+              <a:rPr lang="ko-KR" altLang="en-US" dirty="0">
+                <a:solidFill>
+                  <a:schemeClr val="tx1"/>
+                </a:solidFill>
+              </a:rPr>
+              <a:t>와 카페</a:t>
+            </a:r>
+            <a:r>
+              <a:rPr lang="en-US" altLang="ko-KR" dirty="0">
+                <a:solidFill>
+                  <a:schemeClr val="tx1"/>
+                </a:solidFill>
+              </a:rPr>
+              <a:t>ID</a:t>
+            </a:r>
+            <a:r>
+              <a:rPr lang="ko-KR" altLang="en-US" dirty="0">
+                <a:solidFill>
+                  <a:schemeClr val="tx1"/>
+                </a:solidFill>
+              </a:rPr>
+              <a:t>로 </a:t>
+            </a:r>
+            <a:r>
+              <a:rPr lang="en-US" altLang="ko-KR" dirty="0">
+                <a:solidFill>
+                  <a:schemeClr val="tx1"/>
+                </a:solidFill>
+              </a:rPr>
+              <a:t>QR</a:t>
+            </a:r>
+            <a:r>
+              <a:rPr lang="ko-KR" altLang="en-US" dirty="0">
+                <a:solidFill>
+                  <a:schemeClr val="tx1"/>
+                </a:solidFill>
+              </a:rPr>
+              <a:t>코드 생성</a:t>
+            </a:r>
+            <a:endParaRPr lang="en-US" altLang="ko-KR" dirty="0">
+              <a:solidFill>
+                <a:schemeClr val="tx1"/>
+              </a:solidFill>
+            </a:endParaRPr>
+          </a:p>
+          <a:p>
+            <a:pPr algn="ctr"/>
+            <a:r>
+              <a:rPr lang="en-US" altLang="ko-KR" dirty="0">
+                <a:solidFill>
+                  <a:schemeClr val="tx1"/>
+                </a:solidFill>
+              </a:rPr>
+              <a:t>(</a:t>
+            </a:r>
+            <a:r>
+              <a:rPr lang="en-US" altLang="ko-KR" dirty="0" err="1">
+                <a:solidFill>
+                  <a:schemeClr val="tx1"/>
+                </a:solidFill>
+              </a:rPr>
+              <a:t>UserID</a:t>
+            </a:r>
+            <a:r>
+              <a:rPr lang="en-US" altLang="ko-KR" dirty="0">
+                <a:solidFill>
+                  <a:schemeClr val="tx1"/>
+                </a:solidFill>
+              </a:rPr>
+              <a:t>, </a:t>
+            </a:r>
+            <a:r>
+              <a:rPr lang="en-US" altLang="ko-KR" dirty="0" err="1">
+                <a:solidFill>
+                  <a:schemeClr val="tx1"/>
+                </a:solidFill>
+              </a:rPr>
+              <a:t>CafeID</a:t>
+            </a:r>
+            <a:r>
+              <a:rPr lang="en-US" altLang="ko-KR" dirty="0">
+                <a:solidFill>
+                  <a:schemeClr val="tx1"/>
+                </a:solidFill>
+              </a:rPr>
+              <a:t>)</a:t>
+            </a:r>
+            <a:endParaRPr lang="ko-KR" altLang="en-US" dirty="0">
+              <a:solidFill>
+                <a:schemeClr val="tx1"/>
+              </a:solidFill>
+            </a:endParaRPr>
+          </a:p>
+        </p:txBody>
+      </p:sp>
+      <p:sp>
+        <p:nvSpPr>
+          <p:cNvPr id="28" name="직사각형 27">
+            <a:extLst>
+              <a:ext uri="{FF2B5EF4-FFF2-40B4-BE49-F238E27FC236}">
+                <a16:creationId xmlns:a16="http://schemas.microsoft.com/office/drawing/2014/main" id="{8FFF5275-FDD3-4039-8390-0CBE7CE872F3}"/>
+              </a:ext>
+            </a:extLst>
+          </p:cNvPr>
+          <p:cNvSpPr/>
           <p:nvPr/>
         </p:nvSpPr>
         <p:spPr>
-          <a:xfrm rot="570979">
-            <a:off x="3035496" y="1349656"/>
-            <a:ext cx="1925527" cy="523220"/>
+          <a:xfrm>
+            <a:off x="4939554" y="3693968"/>
+            <a:ext cx="2312895" cy="1277199"/>
           </a:xfrm>
           <a:prstGeom prst="rect">
             <a:avLst/>
           </a:prstGeom>
-          <a:noFill/>
+          <a:solidFill>
+            <a:schemeClr val="bg1"/>
+          </a:solidFill>
         </p:spPr>
-        <p:txBody>
-          <a:bodyPr wrap="none" rtlCol="0">
-            <a:spAutoFit/>
-          </a:bodyPr>
-          <a:lstStyle/>
-          <a:p>
-            <a:r>
-              <a:rPr lang="ko-KR" altLang="en-US" sz="1400" dirty="0"/>
-              <a:t>유저</a:t>
-            </a:r>
-            <a:r>
-              <a:rPr lang="en-US" altLang="ko-KR" sz="1400" dirty="0"/>
-              <a:t>ID,</a:t>
-            </a:r>
-            <a:r>
-              <a:rPr lang="ko-KR" altLang="en-US" sz="1400" dirty="0"/>
-              <a:t> 카페</a:t>
-            </a:r>
-            <a:r>
-              <a:rPr lang="en-US" altLang="ko-KR" sz="1400" dirty="0"/>
-              <a:t>, </a:t>
-            </a:r>
-          </a:p>
-          <a:p>
-            <a:r>
-              <a:rPr lang="ko-KR" altLang="en-US" sz="1400" dirty="0"/>
-              <a:t>쿠폰사용 시그널 전송</a:t>
-            </a:r>
-            <a:endParaRPr lang="en-US" altLang="ko-KR" sz="1400" dirty="0"/>
+        <p:style>
+          <a:lnRef idx="2">
+            <a:schemeClr val="accent1">
+              <a:shade val="50000"/>
+            </a:schemeClr>
+          </a:lnRef>
+          <a:fillRef idx="1">
+            <a:schemeClr val="accent1"/>
+          </a:fillRef>
+          <a:effectRef idx="0">
+            <a:schemeClr val="accent1"/>
+          </a:effectRef>
+          <a:fontRef idx="minor">
+            <a:schemeClr val="lt1"/>
+          </a:fontRef>
+        </p:style>
+        <p:txBody>
+          <a:bodyPr rtlCol="0" anchor="ctr"/>
+          <a:lstStyle/>
+          <a:p>
+            <a:pPr algn="ctr"/>
+            <a:r>
+              <a:rPr lang="en-US" altLang="ko-KR" dirty="0">
+                <a:solidFill>
+                  <a:schemeClr val="tx1"/>
+                </a:solidFill>
+              </a:rPr>
+              <a:t>5.</a:t>
+            </a:r>
+            <a:r>
+              <a:rPr lang="ko-KR" altLang="en-US" dirty="0">
+                <a:solidFill>
+                  <a:schemeClr val="tx1"/>
+                </a:solidFill>
+              </a:rPr>
+              <a:t>도장 개수가</a:t>
+            </a:r>
+            <a:r>
+              <a:rPr lang="en-US" altLang="ko-KR" dirty="0">
+                <a:solidFill>
+                  <a:schemeClr val="tx1"/>
+                </a:solidFill>
+              </a:rPr>
+              <a:t> 10</a:t>
+            </a:r>
+            <a:r>
+              <a:rPr lang="ko-KR" altLang="en-US" dirty="0">
+                <a:solidFill>
+                  <a:schemeClr val="tx1"/>
+                </a:solidFill>
+              </a:rPr>
+              <a:t>개 이상인 경우</a:t>
+            </a:r>
+            <a:endParaRPr lang="en-US" altLang="ko-KR" dirty="0">
+              <a:solidFill>
+                <a:schemeClr val="tx1"/>
+              </a:solidFill>
+            </a:endParaRPr>
+          </a:p>
+          <a:p>
+            <a:pPr algn="ctr"/>
+            <a:r>
+              <a:rPr lang="ko-KR" altLang="en-US" dirty="0">
+                <a:solidFill>
+                  <a:schemeClr val="tx1"/>
+                </a:solidFill>
+              </a:rPr>
+              <a:t> </a:t>
+            </a:r>
+            <a:r>
+              <a:rPr lang="en-US" altLang="ko-KR" dirty="0">
+                <a:solidFill>
+                  <a:schemeClr val="tx1"/>
+                </a:solidFill>
+              </a:rPr>
+              <a:t>“</a:t>
+            </a:r>
+            <a:r>
+              <a:rPr lang="ko-KR" altLang="en-US" dirty="0" err="1">
+                <a:solidFill>
+                  <a:schemeClr val="tx1"/>
+                </a:solidFill>
+              </a:rPr>
+              <a:t>사용가능합니다</a:t>
+            </a:r>
+            <a:r>
+              <a:rPr lang="en-US" altLang="ko-KR" dirty="0">
+                <a:solidFill>
+                  <a:schemeClr val="tx1"/>
+                </a:solidFill>
+              </a:rPr>
+              <a:t>”</a:t>
+            </a:r>
+            <a:r>
+              <a:rPr lang="ko-KR" altLang="en-US" dirty="0">
+                <a:solidFill>
+                  <a:schemeClr val="tx1"/>
+                </a:solidFill>
+              </a:rPr>
+              <a:t> 출력</a:t>
+            </a:r>
+          </a:p>
+        </p:txBody>
+      </p:sp>
+      <p:sp>
+        <p:nvSpPr>
+          <p:cNvPr id="43" name="직사각형 42">
+            <a:extLst>
+              <a:ext uri="{FF2B5EF4-FFF2-40B4-BE49-F238E27FC236}">
+                <a16:creationId xmlns:a16="http://schemas.microsoft.com/office/drawing/2014/main" id="{5E5B8263-1B8F-4708-A027-035976E54299}"/>
+              </a:ext>
+            </a:extLst>
+          </p:cNvPr>
+          <p:cNvSpPr/>
+          <p:nvPr/>
+        </p:nvSpPr>
+        <p:spPr>
+          <a:xfrm>
+            <a:off x="4733365" y="5306858"/>
+            <a:ext cx="2662517" cy="1129552"/>
+          </a:xfrm>
+          <a:prstGeom prst="rect">
+            <a:avLst/>
+          </a:prstGeom>
+          <a:solidFill>
+            <a:schemeClr val="bg1"/>
+          </a:solidFill>
+        </p:spPr>
+        <p:style>
+          <a:lnRef idx="2">
+            <a:schemeClr val="accent1">
+              <a:shade val="50000"/>
+            </a:schemeClr>
+          </a:lnRef>
+          <a:fillRef idx="1">
+            <a:schemeClr val="accent1"/>
+          </a:fillRef>
+          <a:effectRef idx="0">
+            <a:schemeClr val="accent1"/>
+          </a:effectRef>
+          <a:fontRef idx="minor">
+            <a:schemeClr val="lt1"/>
+          </a:fontRef>
+        </p:style>
+        <p:txBody>
+          <a:bodyPr rtlCol="0" anchor="ctr"/>
+          <a:lstStyle/>
+          <a:p>
+            <a:pPr algn="ctr"/>
+            <a:r>
+              <a:rPr lang="en-US" altLang="ko-KR" dirty="0">
+                <a:solidFill>
+                  <a:schemeClr val="tx1"/>
+                </a:solidFill>
+              </a:rPr>
+              <a:t>6.”</a:t>
+            </a:r>
+            <a:r>
+              <a:rPr lang="ko-KR" altLang="en-US" dirty="0">
+                <a:solidFill>
+                  <a:schemeClr val="tx1"/>
+                </a:solidFill>
+              </a:rPr>
+              <a:t>사용하시겠습니까</a:t>
+            </a:r>
+            <a:r>
+              <a:rPr lang="en-US" altLang="ko-KR" dirty="0">
+                <a:solidFill>
+                  <a:schemeClr val="tx1"/>
+                </a:solidFill>
+              </a:rPr>
+              <a:t>?” </a:t>
+            </a:r>
+            <a:r>
+              <a:rPr lang="ko-KR" altLang="en-US" dirty="0">
+                <a:solidFill>
+                  <a:schemeClr val="tx1"/>
+                </a:solidFill>
+              </a:rPr>
+              <a:t>출력</a:t>
+            </a:r>
           </a:p>
         </p:txBody>
       </p:sp>
       <p:cxnSp>
         <p:nvCxnSpPr>
-          <p:cNvPr id="22" name="직선 화살표 연결선 21">
-            <a:extLst>
-              <a:ext uri="{FF2B5EF4-FFF2-40B4-BE49-F238E27FC236}">
-                <a16:creationId xmlns:a16="http://schemas.microsoft.com/office/drawing/2014/main" id="{6D9B45CC-9041-4F2D-92D1-29E8ED47B66E}"/>
+          <p:cNvPr id="6" name="직선 화살표 연결선 5">
+            <a:extLst>
+              <a:ext uri="{FF2B5EF4-FFF2-40B4-BE49-F238E27FC236}">
+                <a16:creationId xmlns:a16="http://schemas.microsoft.com/office/drawing/2014/main" id="{8CAE2D73-B636-43B5-96B9-73048A7D7FD3}"/>
               </a:ext>
             </a:extLst>
           </p:cNvPr>
           <p:cNvCxnSpPr>
             <a:cxnSpLocks/>
-            <a:stCxn id="4" idx="3"/>
-            <a:endCxn id="12" idx="1"/>
+            <a:stCxn id="4" idx="2"/>
+            <a:endCxn id="26" idx="0"/>
           </p:cNvCxnSpPr>
           <p:nvPr/>
         </p:nvCxnSpPr>
         <p:spPr>
           <a:xfrm>
-            <a:off x="2841812" y="1728270"/>
-            <a:ext cx="2286001" cy="334149"/>
+            <a:off x="1685365" y="2010658"/>
+            <a:ext cx="0" cy="276666"/>
           </a:xfrm>
           <a:prstGeom prst="straightConnector1">
             <a:avLst/>
@@ -4310,24 +4618,23 @@
       </p:cxnSp>
       <p:cxnSp>
         <p:nvCxnSpPr>
-          <p:cNvPr id="24" name="직선 화살표 연결선 23">
-            <a:extLst>
-              <a:ext uri="{FF2B5EF4-FFF2-40B4-BE49-F238E27FC236}">
-                <a16:creationId xmlns:a16="http://schemas.microsoft.com/office/drawing/2014/main" id="{43D16702-4230-473A-83D3-225ED805216E}"/>
+          <p:cNvPr id="23" name="직선 화살표 연결선 22">
+            <a:extLst>
+              <a:ext uri="{FF2B5EF4-FFF2-40B4-BE49-F238E27FC236}">
+                <a16:creationId xmlns:a16="http://schemas.microsoft.com/office/drawing/2014/main" id="{86B3F5C4-8579-4A65-B489-D13B53006A6D}"/>
               </a:ext>
             </a:extLst>
           </p:cNvPr>
           <p:cNvCxnSpPr>
-            <a:cxnSpLocks/>
-            <a:stCxn id="12" idx="2"/>
-            <a:endCxn id="16" idx="0"/>
+            <a:stCxn id="26" idx="3"/>
+            <a:endCxn id="14" idx="1"/>
           </p:cNvCxnSpPr>
           <p:nvPr/>
         </p:nvCxnSpPr>
         <p:spPr>
           <a:xfrm>
-            <a:off x="6284261" y="2374942"/>
-            <a:ext cx="0" cy="221664"/>
+            <a:off x="2841812" y="2999757"/>
+            <a:ext cx="2097739" cy="0"/>
           </a:xfrm>
           <a:prstGeom prst="straightConnector1">
             <a:avLst/>
@@ -4351,210 +4658,25 @@
           </a:fontRef>
         </p:style>
       </p:cxnSp>
-      <p:sp>
-        <p:nvSpPr>
-          <p:cNvPr id="26" name="직사각형 25">
-            <a:extLst>
-              <a:ext uri="{FF2B5EF4-FFF2-40B4-BE49-F238E27FC236}">
-                <a16:creationId xmlns:a16="http://schemas.microsoft.com/office/drawing/2014/main" id="{B994DABD-B298-43CA-9FE2-54A106615F2A}"/>
-              </a:ext>
-            </a:extLst>
-          </p:cNvPr>
-          <p:cNvSpPr/>
-          <p:nvPr/>
-        </p:nvSpPr>
-        <p:spPr>
-          <a:xfrm>
-            <a:off x="692597" y="4160839"/>
-            <a:ext cx="2312895" cy="802133"/>
-          </a:xfrm>
-          <a:prstGeom prst="rect">
-            <a:avLst/>
-          </a:prstGeom>
-          <a:solidFill>
-            <a:schemeClr val="bg1"/>
-          </a:solidFill>
-        </p:spPr>
-        <p:style>
-          <a:lnRef idx="2">
-            <a:schemeClr val="accent1">
-              <a:shade val="50000"/>
-            </a:schemeClr>
-          </a:lnRef>
-          <a:fillRef idx="1">
-            <a:schemeClr val="accent1"/>
-          </a:fillRef>
-          <a:effectRef idx="0">
-            <a:schemeClr val="accent1"/>
-          </a:effectRef>
-          <a:fontRef idx="minor">
-            <a:schemeClr val="lt1"/>
-          </a:fontRef>
-        </p:style>
-        <p:txBody>
-          <a:bodyPr rtlCol="0" anchor="ctr"/>
-          <a:lstStyle/>
-          <a:p>
-            <a:pPr algn="ctr"/>
-            <a:r>
-              <a:rPr lang="en-US" altLang="ko-KR" dirty="0">
-                <a:solidFill>
-                  <a:schemeClr val="tx1"/>
-                </a:solidFill>
-              </a:rPr>
-              <a:t>5.</a:t>
-            </a:r>
-            <a:r>
-              <a:rPr lang="ko-KR" altLang="en-US" dirty="0">
-                <a:solidFill>
-                  <a:schemeClr val="tx1"/>
-                </a:solidFill>
-              </a:rPr>
-              <a:t>일련번호로</a:t>
-            </a:r>
-            <a:endParaRPr lang="en-US" altLang="ko-KR" dirty="0">
-              <a:solidFill>
-                <a:schemeClr val="tx1"/>
-              </a:solidFill>
-            </a:endParaRPr>
-          </a:p>
-          <a:p>
-            <a:pPr algn="ctr"/>
-            <a:r>
-              <a:rPr lang="en-US" altLang="ko-KR" dirty="0">
-                <a:solidFill>
-                  <a:schemeClr val="tx1"/>
-                </a:solidFill>
-              </a:rPr>
-              <a:t>QR</a:t>
-            </a:r>
-            <a:r>
-              <a:rPr lang="ko-KR" altLang="en-US" dirty="0">
-                <a:solidFill>
-                  <a:schemeClr val="tx1"/>
-                </a:solidFill>
-              </a:rPr>
-              <a:t>코드 생성</a:t>
-            </a:r>
-          </a:p>
-        </p:txBody>
-      </p:sp>
-      <p:sp>
-        <p:nvSpPr>
-          <p:cNvPr id="28" name="직사각형 27">
-            <a:extLst>
-              <a:ext uri="{FF2B5EF4-FFF2-40B4-BE49-F238E27FC236}">
-                <a16:creationId xmlns:a16="http://schemas.microsoft.com/office/drawing/2014/main" id="{8FFF5275-FDD3-4039-8390-0CBE7CE872F3}"/>
-              </a:ext>
-            </a:extLst>
-          </p:cNvPr>
-          <p:cNvSpPr/>
-          <p:nvPr/>
-        </p:nvSpPr>
-        <p:spPr>
-          <a:xfrm>
-            <a:off x="5127812" y="3720863"/>
-            <a:ext cx="2312895" cy="1129552"/>
-          </a:xfrm>
-          <a:prstGeom prst="rect">
-            <a:avLst/>
-          </a:prstGeom>
-          <a:solidFill>
-            <a:schemeClr val="bg1"/>
-          </a:solidFill>
-        </p:spPr>
-        <p:style>
-          <a:lnRef idx="2">
-            <a:schemeClr val="accent1">
-              <a:shade val="50000"/>
-            </a:schemeClr>
-          </a:lnRef>
-          <a:fillRef idx="1">
-            <a:schemeClr val="accent1"/>
-          </a:fillRef>
-          <a:effectRef idx="0">
-            <a:schemeClr val="accent1"/>
-          </a:effectRef>
-          <a:fontRef idx="minor">
-            <a:schemeClr val="lt1"/>
-          </a:fontRef>
-        </p:style>
-        <p:txBody>
-          <a:bodyPr rtlCol="0" anchor="ctr"/>
-          <a:lstStyle/>
-          <a:p>
-            <a:pPr algn="ctr"/>
-            <a:r>
-              <a:rPr lang="en-US" altLang="ko-KR" dirty="0">
-                <a:solidFill>
-                  <a:schemeClr val="tx1"/>
-                </a:solidFill>
-              </a:rPr>
-              <a:t>4.</a:t>
-            </a:r>
-            <a:r>
-              <a:rPr lang="ko-KR" altLang="en-US" dirty="0">
-                <a:solidFill>
-                  <a:schemeClr val="tx1"/>
-                </a:solidFill>
-              </a:rPr>
-              <a:t>합당하다면</a:t>
-            </a:r>
-            <a:endParaRPr lang="en-US" altLang="ko-KR" dirty="0">
-              <a:solidFill>
-                <a:schemeClr val="tx1"/>
-              </a:solidFill>
-            </a:endParaRPr>
-          </a:p>
-          <a:p>
-            <a:pPr algn="ctr"/>
-            <a:r>
-              <a:rPr lang="ko-KR" altLang="en-US" dirty="0">
-                <a:solidFill>
-                  <a:schemeClr val="tx1"/>
-                </a:solidFill>
-              </a:rPr>
-              <a:t>쿠폰의 </a:t>
-            </a:r>
-            <a:endParaRPr lang="en-US" altLang="ko-KR" dirty="0">
-              <a:solidFill>
-                <a:schemeClr val="tx1"/>
-              </a:solidFill>
-            </a:endParaRPr>
-          </a:p>
-          <a:p>
-            <a:pPr algn="ctr"/>
-            <a:r>
-              <a:rPr lang="ko-KR" altLang="en-US" dirty="0">
-                <a:solidFill>
-                  <a:schemeClr val="tx1"/>
-                </a:solidFill>
-              </a:rPr>
-              <a:t>일련번호 생성</a:t>
-            </a:r>
-          </a:p>
-        </p:txBody>
-      </p:sp>
       <p:cxnSp>
         <p:nvCxnSpPr>
-          <p:cNvPr id="30" name="직선 화살표 연결선 29">
-            <a:extLst>
-              <a:ext uri="{FF2B5EF4-FFF2-40B4-BE49-F238E27FC236}">
-                <a16:creationId xmlns:a16="http://schemas.microsoft.com/office/drawing/2014/main" id="{1023EB69-5F43-4F7F-BC28-4E7A2BDF210D}"/>
+          <p:cNvPr id="51" name="직선 화살표 연결선 50">
+            <a:extLst>
+              <a:ext uri="{FF2B5EF4-FFF2-40B4-BE49-F238E27FC236}">
+                <a16:creationId xmlns:a16="http://schemas.microsoft.com/office/drawing/2014/main" id="{CF7D0F81-E5E4-4EB7-9657-42D1AC5D3421}"/>
               </a:ext>
             </a:extLst>
           </p:cNvPr>
           <p:cNvCxnSpPr>
             <a:cxnSpLocks/>
-            <a:stCxn id="28" idx="1"/>
-            <a:endCxn id="26" idx="3"/>
+            <a:stCxn id="14" idx="3"/>
           </p:cNvCxnSpPr>
           <p:nvPr/>
         </p:nvCxnSpPr>
         <p:spPr>
-          <a:xfrm flipH="1">
-            <a:off x="3005492" y="4285639"/>
-            <a:ext cx="2122320" cy="276267"/>
+          <a:xfrm>
+            <a:off x="7252446" y="2999757"/>
+            <a:ext cx="1129554" cy="65375"/>
           </a:xfrm>
           <a:prstGeom prst="straightConnector1">
             <a:avLst/>
@@ -4578,61 +4700,24 @@
           </a:fontRef>
         </p:style>
       </p:cxnSp>
-      <p:sp>
-        <p:nvSpPr>
-          <p:cNvPr id="31" name="TextBox 30">
-            <a:extLst>
-              <a:ext uri="{FF2B5EF4-FFF2-40B4-BE49-F238E27FC236}">
-                <a16:creationId xmlns:a16="http://schemas.microsoft.com/office/drawing/2014/main" id="{10741B4E-EAC3-4396-BB86-22DBB2ECC896}"/>
-              </a:ext>
-            </a:extLst>
-          </p:cNvPr>
-          <p:cNvSpPr txBox="1"/>
-          <p:nvPr/>
-        </p:nvSpPr>
-        <p:spPr>
-          <a:xfrm rot="21206634">
-            <a:off x="3143303" y="4075957"/>
-            <a:ext cx="1882247" cy="369332"/>
-          </a:xfrm>
-          <a:prstGeom prst="rect">
-            <a:avLst/>
-          </a:prstGeom>
-          <a:noFill/>
-        </p:spPr>
-        <p:txBody>
-          <a:bodyPr wrap="square" rtlCol="0">
-            <a:spAutoFit/>
-          </a:bodyPr>
-          <a:lstStyle/>
-          <a:p>
-            <a:r>
-              <a:rPr lang="ko-KR" altLang="en-US" dirty="0"/>
-              <a:t>암호화하여 전송</a:t>
-            </a:r>
-          </a:p>
-        </p:txBody>
-      </p:sp>
       <p:cxnSp>
         <p:nvCxnSpPr>
-          <p:cNvPr id="35" name="직선 화살표 연결선 34">
-            <a:extLst>
-              <a:ext uri="{FF2B5EF4-FFF2-40B4-BE49-F238E27FC236}">
-                <a16:creationId xmlns:a16="http://schemas.microsoft.com/office/drawing/2014/main" id="{F0AA1247-CDDE-4476-A5D9-2570817B6606}"/>
+          <p:cNvPr id="54" name="직선 화살표 연결선 53">
+            <a:extLst>
+              <a:ext uri="{FF2B5EF4-FFF2-40B4-BE49-F238E27FC236}">
+                <a16:creationId xmlns:a16="http://schemas.microsoft.com/office/drawing/2014/main" id="{90EBA28E-3537-4FAE-BF2D-9E5660E18CB5}"/>
               </a:ext>
             </a:extLst>
           </p:cNvPr>
           <p:cNvCxnSpPr>
-            <a:cxnSpLocks/>
-            <a:stCxn id="16" idx="2"/>
-            <a:endCxn id="28" idx="0"/>
+            <a:endCxn id="28" idx="3"/>
           </p:cNvCxnSpPr>
           <p:nvPr/>
         </p:nvCxnSpPr>
         <p:spPr>
           <a:xfrm flipH="1">
-            <a:off x="6284260" y="3445175"/>
-            <a:ext cx="1" cy="275688"/>
+            <a:off x="7252449" y="3400823"/>
+            <a:ext cx="1129551" cy="931745"/>
           </a:xfrm>
           <a:prstGeom prst="straightConnector1">
             <a:avLst/>
@@ -4656,318 +4741,25 @@
           </a:fontRef>
         </p:style>
       </p:cxnSp>
-      <p:sp>
-        <p:nvSpPr>
-          <p:cNvPr id="43" name="직사각형 42">
-            <a:extLst>
-              <a:ext uri="{FF2B5EF4-FFF2-40B4-BE49-F238E27FC236}">
-                <a16:creationId xmlns:a16="http://schemas.microsoft.com/office/drawing/2014/main" id="{5E5B8263-1B8F-4708-A027-035976E54299}"/>
-              </a:ext>
-            </a:extLst>
-          </p:cNvPr>
-          <p:cNvSpPr/>
-          <p:nvPr/>
-        </p:nvSpPr>
-        <p:spPr>
-          <a:xfrm>
-            <a:off x="5127810" y="5143561"/>
-            <a:ext cx="2312895" cy="1129552"/>
-          </a:xfrm>
-          <a:prstGeom prst="rect">
-            <a:avLst/>
-          </a:prstGeom>
-          <a:solidFill>
-            <a:schemeClr val="bg1"/>
-          </a:solidFill>
-        </p:spPr>
-        <p:style>
-          <a:lnRef idx="2">
-            <a:schemeClr val="accent1">
-              <a:shade val="50000"/>
-            </a:schemeClr>
-          </a:lnRef>
-          <a:fillRef idx="1">
-            <a:schemeClr val="accent1"/>
-          </a:fillRef>
-          <a:effectRef idx="0">
-            <a:schemeClr val="accent1"/>
-          </a:effectRef>
-          <a:fontRef idx="minor">
-            <a:schemeClr val="lt1"/>
-          </a:fontRef>
-        </p:style>
-        <p:txBody>
-          <a:bodyPr rtlCol="0" anchor="ctr"/>
-          <a:lstStyle/>
-          <a:p>
-            <a:pPr algn="ctr"/>
-            <a:r>
-              <a:rPr lang="en-US" altLang="ko-KR" dirty="0">
-                <a:solidFill>
-                  <a:schemeClr val="tx1"/>
-                </a:solidFill>
-              </a:rPr>
-              <a:t>7.</a:t>
-            </a:r>
-            <a:r>
-              <a:rPr lang="ko-KR" altLang="en-US" dirty="0">
-                <a:solidFill>
-                  <a:schemeClr val="tx1"/>
-                </a:solidFill>
-              </a:rPr>
-              <a:t>일련번호</a:t>
-            </a:r>
-            <a:endParaRPr lang="en-US" altLang="ko-KR" dirty="0">
-              <a:solidFill>
-                <a:schemeClr val="tx1"/>
-              </a:solidFill>
-            </a:endParaRPr>
-          </a:p>
-          <a:p>
-            <a:pPr algn="ctr"/>
-            <a:r>
-              <a:rPr lang="ko-KR" altLang="en-US" dirty="0">
-                <a:solidFill>
-                  <a:schemeClr val="tx1"/>
-                </a:solidFill>
-              </a:rPr>
-              <a:t>유효한지 검증</a:t>
-            </a:r>
-            <a:endParaRPr lang="en-US" altLang="ko-KR" dirty="0">
-              <a:solidFill>
-                <a:schemeClr val="tx1"/>
-              </a:solidFill>
-            </a:endParaRPr>
-          </a:p>
-          <a:p>
-            <a:pPr algn="ctr"/>
-            <a:r>
-              <a:rPr lang="en-US" altLang="ko-KR" dirty="0">
-                <a:solidFill>
-                  <a:schemeClr val="tx1"/>
-                </a:solidFill>
-              </a:rPr>
-              <a:t>(5</a:t>
-            </a:r>
-            <a:r>
-              <a:rPr lang="ko-KR" altLang="en-US" dirty="0">
-                <a:solidFill>
-                  <a:schemeClr val="tx1"/>
-                </a:solidFill>
-              </a:rPr>
-              <a:t>분 동안 유효</a:t>
-            </a:r>
-            <a:r>
-              <a:rPr lang="en-US" altLang="ko-KR" dirty="0">
-                <a:solidFill>
-                  <a:schemeClr val="tx1"/>
-                </a:solidFill>
-              </a:rPr>
-              <a:t>)</a:t>
-            </a:r>
-            <a:endParaRPr lang="ko-KR" altLang="en-US" dirty="0">
-              <a:solidFill>
-                <a:schemeClr val="tx1"/>
-              </a:solidFill>
-            </a:endParaRPr>
-          </a:p>
-        </p:txBody>
-      </p:sp>
       <p:cxnSp>
         <p:nvCxnSpPr>
-          <p:cNvPr id="45" name="직선 화살표 연결선 44">
-            <a:extLst>
-              <a:ext uri="{FF2B5EF4-FFF2-40B4-BE49-F238E27FC236}">
-                <a16:creationId xmlns:a16="http://schemas.microsoft.com/office/drawing/2014/main" id="{2C1E4D4F-D5FD-4065-B130-A55ADC990A70}"/>
+          <p:cNvPr id="58" name="직선 화살표 연결선 57">
+            <a:extLst>
+              <a:ext uri="{FF2B5EF4-FFF2-40B4-BE49-F238E27FC236}">
+                <a16:creationId xmlns:a16="http://schemas.microsoft.com/office/drawing/2014/main" id="{C01AC27C-5962-4C6A-87E9-2BA8CC7D72ED}"/>
               </a:ext>
             </a:extLst>
           </p:cNvPr>
           <p:cNvCxnSpPr>
-            <a:cxnSpLocks/>
-            <a:stCxn id="14" idx="1"/>
+            <a:stCxn id="28" idx="2"/>
+            <a:endCxn id="43" idx="0"/>
           </p:cNvCxnSpPr>
           <p:nvPr/>
         </p:nvCxnSpPr>
         <p:spPr>
           <a:xfrm flipH="1">
-            <a:off x="7440705" y="4791096"/>
-            <a:ext cx="1807052" cy="592422"/>
-          </a:xfrm>
-          <a:prstGeom prst="straightConnector1">
-            <a:avLst/>
-          </a:prstGeom>
-          <a:ln>
-            <a:tailEnd type="triangle"/>
-          </a:ln>
-        </p:spPr>
-        <p:style>
-          <a:lnRef idx="1">
-            <a:schemeClr val="accent1"/>
-          </a:lnRef>
-          <a:fillRef idx="0">
-            <a:schemeClr val="accent1"/>
-          </a:fillRef>
-          <a:effectRef idx="0">
-            <a:schemeClr val="accent1"/>
-          </a:effectRef>
-          <a:fontRef idx="minor">
-            <a:schemeClr val="tx1"/>
-          </a:fontRef>
-        </p:style>
-      </p:cxnSp>
-      <p:sp>
-        <p:nvSpPr>
-          <p:cNvPr id="46" name="TextBox 45">
-            <a:extLst>
-              <a:ext uri="{FF2B5EF4-FFF2-40B4-BE49-F238E27FC236}">
-                <a16:creationId xmlns:a16="http://schemas.microsoft.com/office/drawing/2014/main" id="{03502517-910D-45DE-8130-F4CB3C884B0B}"/>
-              </a:ext>
-            </a:extLst>
-          </p:cNvPr>
-          <p:cNvSpPr txBox="1"/>
-          <p:nvPr/>
-        </p:nvSpPr>
-        <p:spPr>
-          <a:xfrm rot="20549650">
-            <a:off x="7517788" y="4737376"/>
-            <a:ext cx="1651414" cy="369332"/>
-          </a:xfrm>
-          <a:prstGeom prst="rect">
-            <a:avLst/>
-          </a:prstGeom>
-          <a:noFill/>
-        </p:spPr>
-        <p:txBody>
-          <a:bodyPr wrap="none" rtlCol="0">
-            <a:spAutoFit/>
-          </a:bodyPr>
-          <a:lstStyle/>
-          <a:p>
-            <a:r>
-              <a:rPr lang="ko-KR" altLang="en-US" dirty="0"/>
-              <a:t>일련번호 전송</a:t>
-            </a:r>
-          </a:p>
-        </p:txBody>
-      </p:sp>
-      <p:sp>
-        <p:nvSpPr>
-          <p:cNvPr id="50" name="직사각형 49">
-            <a:extLst>
-              <a:ext uri="{FF2B5EF4-FFF2-40B4-BE49-F238E27FC236}">
-                <a16:creationId xmlns:a16="http://schemas.microsoft.com/office/drawing/2014/main" id="{75CB9EDF-C87E-4096-8C73-E6004807E872}"/>
-              </a:ext>
-            </a:extLst>
-          </p:cNvPr>
-          <p:cNvSpPr/>
-          <p:nvPr/>
-        </p:nvSpPr>
-        <p:spPr>
-          <a:xfrm>
-            <a:off x="9247757" y="5460262"/>
-            <a:ext cx="2312895" cy="1048113"/>
-          </a:xfrm>
-          <a:prstGeom prst="rect">
-            <a:avLst/>
-          </a:prstGeom>
-          <a:solidFill>
-            <a:schemeClr val="bg1"/>
-          </a:solidFill>
-        </p:spPr>
-        <p:style>
-          <a:lnRef idx="2">
-            <a:schemeClr val="accent1">
-              <a:shade val="50000"/>
-            </a:schemeClr>
-          </a:lnRef>
-          <a:fillRef idx="1">
-            <a:schemeClr val="accent1"/>
-          </a:fillRef>
-          <a:effectRef idx="0">
-            <a:schemeClr val="accent1"/>
-          </a:effectRef>
-          <a:fontRef idx="minor">
-            <a:schemeClr val="lt1"/>
-          </a:fontRef>
-        </p:style>
-        <p:txBody>
-          <a:bodyPr rtlCol="0" anchor="ctr"/>
-          <a:lstStyle/>
-          <a:p>
-            <a:pPr algn="ctr"/>
-            <a:r>
-              <a:rPr lang="en-US" altLang="ko-KR" dirty="0">
-                <a:solidFill>
-                  <a:schemeClr val="tx1"/>
-                </a:solidFill>
-              </a:rPr>
-              <a:t>8.“</a:t>
-            </a:r>
-            <a:r>
-              <a:rPr lang="ko-KR" altLang="en-US" dirty="0">
-                <a:solidFill>
-                  <a:schemeClr val="tx1"/>
-                </a:solidFill>
-              </a:rPr>
-              <a:t>사용가능한</a:t>
-            </a:r>
-            <a:endParaRPr lang="en-US" altLang="ko-KR" dirty="0">
-              <a:solidFill>
-                <a:schemeClr val="tx1"/>
-              </a:solidFill>
-            </a:endParaRPr>
-          </a:p>
-          <a:p>
-            <a:pPr algn="ctr"/>
-            <a:r>
-              <a:rPr lang="ko-KR" altLang="en-US" dirty="0">
-                <a:solidFill>
-                  <a:schemeClr val="tx1"/>
-                </a:solidFill>
-              </a:rPr>
-              <a:t>쿠폰입니다</a:t>
-            </a:r>
-            <a:r>
-              <a:rPr lang="en-US" altLang="ko-KR" dirty="0">
-                <a:solidFill>
-                  <a:schemeClr val="tx1"/>
-                </a:solidFill>
-              </a:rPr>
-              <a:t>”</a:t>
-            </a:r>
-          </a:p>
-          <a:p>
-            <a:pPr algn="ctr"/>
-            <a:r>
-              <a:rPr lang="ko-KR" altLang="en-US" dirty="0">
-                <a:solidFill>
-                  <a:schemeClr val="tx1"/>
-                </a:solidFill>
-              </a:rPr>
-              <a:t>출력</a:t>
-            </a:r>
-          </a:p>
-        </p:txBody>
-      </p:sp>
-      <p:cxnSp>
-        <p:nvCxnSpPr>
-          <p:cNvPr id="52" name="직선 화살표 연결선 51">
-            <a:extLst>
-              <a:ext uri="{FF2B5EF4-FFF2-40B4-BE49-F238E27FC236}">
-                <a16:creationId xmlns:a16="http://schemas.microsoft.com/office/drawing/2014/main" id="{6D9ECEB0-424F-4DAA-9A3B-0E0EC1C4E769}"/>
-              </a:ext>
-            </a:extLst>
-          </p:cNvPr>
-          <p:cNvCxnSpPr>
-            <a:cxnSpLocks/>
-            <a:endCxn id="50" idx="1"/>
-          </p:cNvCxnSpPr>
-          <p:nvPr/>
-        </p:nvCxnSpPr>
-        <p:spPr>
-          <a:xfrm flipV="1">
-            <a:off x="7440705" y="5984319"/>
-            <a:ext cx="1807052" cy="57894"/>
+            <a:off x="6064624" y="4971167"/>
+            <a:ext cx="31378" cy="335691"/>
           </a:xfrm>
           <a:prstGeom prst="straightConnector1">
             <a:avLst/>
@@ -5990,19 +5782,7 @@
             </a:r>
             <a:r>
               <a:rPr lang="ko-KR" altLang="en-US" dirty="0"/>
-              <a:t>기기가 </a:t>
-            </a:r>
-            <a:r>
-              <a:rPr lang="ko-KR" altLang="en-US" dirty="0" err="1"/>
-              <a:t>여러대</a:t>
-            </a:r>
-            <a:r>
-              <a:rPr lang="ko-KR" altLang="en-US" dirty="0"/>
-              <a:t> 혹은 관리자가 </a:t>
-            </a:r>
-            <a:r>
-              <a:rPr lang="ko-KR" altLang="en-US" dirty="0" err="1"/>
-              <a:t>여러명</a:t>
+              <a:t>기기가 여러 대 혹은 관리자가 여러 명</a:t>
             </a:r>
             <a:r>
               <a:rPr lang="en-US" altLang="ko-KR" dirty="0"/>
@@ -6019,11 +5799,47 @@
           </a:p>
           <a:p>
             <a:r>
+              <a:rPr lang="ko-KR" altLang="en-US" dirty="0"/>
+              <a:t>이미 사용한 쿠폰 취소 가능 해야함</a:t>
+            </a:r>
+            <a:r>
               <a:rPr lang="en-US" altLang="ko-KR" dirty="0"/>
-              <a:t>Aa</a:t>
-            </a:r>
-          </a:p>
-          <a:p>
+              <a:t>(QR</a:t>
+            </a:r>
+            <a:r>
+              <a:rPr lang="ko-KR" altLang="en-US" dirty="0"/>
+              <a:t>코드로 스캔했는데</a:t>
+            </a:r>
+            <a:r>
+              <a:rPr lang="en-US" altLang="ko-KR" dirty="0"/>
+              <a:t>, </a:t>
+            </a:r>
+            <a:r>
+              <a:rPr lang="ko-KR" altLang="en-US" dirty="0"/>
+              <a:t>고객이 취소 요청할 수 있음</a:t>
+            </a:r>
+            <a:r>
+              <a:rPr lang="en-US" altLang="ko-KR" dirty="0"/>
+              <a:t>)</a:t>
+            </a:r>
+          </a:p>
+          <a:p>
+            <a:r>
+              <a:rPr lang="ko-KR" altLang="en-US" dirty="0"/>
+              <a:t>이미 사용된 쿠폰들 기록 가능하며</a:t>
+            </a:r>
+            <a:r>
+              <a:rPr lang="en-US" altLang="ko-KR" dirty="0"/>
+              <a:t>,</a:t>
+            </a:r>
+            <a:r>
+              <a:rPr lang="ko-KR" altLang="en-US" dirty="0"/>
+              <a:t> 조회 </a:t>
+            </a:r>
+            <a:r>
+              <a:rPr lang="ko-KR" altLang="en-US" dirty="0" err="1"/>
+              <a:t>가능해야함</a:t>
+            </a:r>
             <a:endParaRPr lang="en-US" altLang="ko-KR" dirty="0"/>
           </a:p>
           <a:p>

--- a/docs/캡스톤2 로직.pptx
+++ b/docs/캡스톤2 로직.pptx
@@ -5,7 +5,7 @@
     <p:sldMasterId id="2147483648" r:id="rId1"/>
   </p:sldMasterIdLst>
   <p:notesMasterIdLst>
-    <p:notesMasterId r:id="rId10"/>
+    <p:notesMasterId r:id="rId11"/>
   </p:notesMasterIdLst>
   <p:sldIdLst>
     <p:sldId id="256" r:id="rId2"/>
@@ -16,6 +16,7 @@
     <p:sldId id="261" r:id="rId7"/>
     <p:sldId id="262" r:id="rId8"/>
     <p:sldId id="263" r:id="rId9"/>
+    <p:sldId id="264" r:id="rId10"/>
   </p:sldIdLst>
   <p:sldSz cx="12192000" cy="6858000"/>
   <p:notesSz cx="6858000" cy="9144000"/>
@@ -204,7 +205,7 @@
           <a:p>
             <a:fld id="{60176A0D-488A-464E-B932-667B5ED25526}" type="datetimeFigureOut">
               <a:rPr lang="ko-KR" altLang="en-US" smtClean="0"/>
-              <a:t>2020-11-01</a:t>
+              <a:t>2020-11-03</a:t>
             </a:fld>
             <a:endParaRPr lang="ko-KR" altLang="en-US"/>
           </a:p>
@@ -618,7 +619,7 @@
           <a:p>
             <a:fld id="{13C9130C-1EEE-499B-A1A9-4E3DAD1EC810}" type="datetimeFigureOut">
               <a:rPr lang="ko-KR" altLang="en-US" smtClean="0"/>
-              <a:t>2020-11-01</a:t>
+              <a:t>2020-11-03</a:t>
             </a:fld>
             <a:endParaRPr lang="ko-KR" altLang="en-US"/>
           </a:p>
@@ -816,7 +817,7 @@
           <a:p>
             <a:fld id="{13C9130C-1EEE-499B-A1A9-4E3DAD1EC810}" type="datetimeFigureOut">
               <a:rPr lang="ko-KR" altLang="en-US" smtClean="0"/>
-              <a:t>2020-11-01</a:t>
+              <a:t>2020-11-03</a:t>
             </a:fld>
             <a:endParaRPr lang="ko-KR" altLang="en-US"/>
           </a:p>
@@ -1024,7 +1025,7 @@
           <a:p>
             <a:fld id="{13C9130C-1EEE-499B-A1A9-4E3DAD1EC810}" type="datetimeFigureOut">
               <a:rPr lang="ko-KR" altLang="en-US" smtClean="0"/>
-              <a:t>2020-11-01</a:t>
+              <a:t>2020-11-03</a:t>
             </a:fld>
             <a:endParaRPr lang="ko-KR" altLang="en-US"/>
           </a:p>
@@ -1222,7 +1223,7 @@
           <a:p>
             <a:fld id="{13C9130C-1EEE-499B-A1A9-4E3DAD1EC810}" type="datetimeFigureOut">
               <a:rPr lang="ko-KR" altLang="en-US" smtClean="0"/>
-              <a:t>2020-11-01</a:t>
+              <a:t>2020-11-03</a:t>
             </a:fld>
             <a:endParaRPr lang="ko-KR" altLang="en-US"/>
           </a:p>
@@ -1497,7 +1498,7 @@
           <a:p>
             <a:fld id="{13C9130C-1EEE-499B-A1A9-4E3DAD1EC810}" type="datetimeFigureOut">
               <a:rPr lang="ko-KR" altLang="en-US" smtClean="0"/>
-              <a:t>2020-11-01</a:t>
+              <a:t>2020-11-03</a:t>
             </a:fld>
             <a:endParaRPr lang="ko-KR" altLang="en-US"/>
           </a:p>
@@ -1762,7 +1763,7 @@
           <a:p>
             <a:fld id="{13C9130C-1EEE-499B-A1A9-4E3DAD1EC810}" type="datetimeFigureOut">
               <a:rPr lang="ko-KR" altLang="en-US" smtClean="0"/>
-              <a:t>2020-11-01</a:t>
+              <a:t>2020-11-03</a:t>
             </a:fld>
             <a:endParaRPr lang="ko-KR" altLang="en-US"/>
           </a:p>
@@ -2174,7 +2175,7 @@
           <a:p>
             <a:fld id="{13C9130C-1EEE-499B-A1A9-4E3DAD1EC810}" type="datetimeFigureOut">
               <a:rPr lang="ko-KR" altLang="en-US" smtClean="0"/>
-              <a:t>2020-11-01</a:t>
+              <a:t>2020-11-03</a:t>
             </a:fld>
             <a:endParaRPr lang="ko-KR" altLang="en-US"/>
           </a:p>
@@ -2315,7 +2316,7 @@
           <a:p>
             <a:fld id="{13C9130C-1EEE-499B-A1A9-4E3DAD1EC810}" type="datetimeFigureOut">
               <a:rPr lang="ko-KR" altLang="en-US" smtClean="0"/>
-              <a:t>2020-11-01</a:t>
+              <a:t>2020-11-03</a:t>
             </a:fld>
             <a:endParaRPr lang="ko-KR" altLang="en-US"/>
           </a:p>
@@ -2428,7 +2429,7 @@
           <a:p>
             <a:fld id="{13C9130C-1EEE-499B-A1A9-4E3DAD1EC810}" type="datetimeFigureOut">
               <a:rPr lang="ko-KR" altLang="en-US" smtClean="0"/>
-              <a:t>2020-11-01</a:t>
+              <a:t>2020-11-03</a:t>
             </a:fld>
             <a:endParaRPr lang="ko-KR" altLang="en-US"/>
           </a:p>
@@ -2739,7 +2740,7 @@
           <a:p>
             <a:fld id="{13C9130C-1EEE-499B-A1A9-4E3DAD1EC810}" type="datetimeFigureOut">
               <a:rPr lang="ko-KR" altLang="en-US" smtClean="0"/>
-              <a:t>2020-11-01</a:t>
+              <a:t>2020-11-03</a:t>
             </a:fld>
             <a:endParaRPr lang="ko-KR" altLang="en-US"/>
           </a:p>
@@ -3027,7 +3028,7 @@
           <a:p>
             <a:fld id="{13C9130C-1EEE-499B-A1A9-4E3DAD1EC810}" type="datetimeFigureOut">
               <a:rPr lang="ko-KR" altLang="en-US" smtClean="0"/>
-              <a:t>2020-11-01</a:t>
+              <a:t>2020-11-03</a:t>
             </a:fld>
             <a:endParaRPr lang="ko-KR" altLang="en-US"/>
           </a:p>
@@ -3268,7 +3269,7 @@
           <a:p>
             <a:fld id="{13C9130C-1EEE-499B-A1A9-4E3DAD1EC810}" type="datetimeFigureOut">
               <a:rPr lang="ko-KR" altLang="en-US" smtClean="0"/>
-              <a:t>2020-11-01</a:t>
+              <a:t>2020-11-03</a:t>
             </a:fld>
             <a:endParaRPr lang="ko-KR" altLang="en-US"/>
           </a:p>
@@ -5695,161 +5696,784 @@
           </a:p>
         </p:txBody>
       </p:sp>
-      <p:sp>
-        <p:nvSpPr>
-          <p:cNvPr id="3" name="내용 개체 틀 2">
-            <a:extLst>
-              <a:ext uri="{FF2B5EF4-FFF2-40B4-BE49-F238E27FC236}">
-                <a16:creationId xmlns:a16="http://schemas.microsoft.com/office/drawing/2014/main" id="{CF45C011-B641-4EDB-9CC2-0DD9A6928BCA}"/>
-              </a:ext>
-            </a:extLst>
-          </p:cNvPr>
-          <p:cNvSpPr>
-            <a:spLocks noGrp="1"/>
-          </p:cNvSpPr>
+      <p:graphicFrame>
+        <p:nvGraphicFramePr>
+          <p:cNvPr id="4" name="표 4">
+            <a:extLst>
+              <a:ext uri="{FF2B5EF4-FFF2-40B4-BE49-F238E27FC236}">
+                <a16:creationId xmlns:a16="http://schemas.microsoft.com/office/drawing/2014/main" id="{4FC6CC14-C818-46B7-8DEA-418C29554C85}"/>
+              </a:ext>
+            </a:extLst>
+          </p:cNvPr>
+          <p:cNvGraphicFramePr>
+            <a:graphicFrameLocks noGrp="1"/>
+          </p:cNvGraphicFramePr>
           <p:nvPr>
-            <p:ph idx="1"/>
+            <p:extLst>
+              <p:ext uri="{D42A27DB-BD31-4B8C-83A1-F6EECF244321}">
+                <p14:modId xmlns:p14="http://schemas.microsoft.com/office/powerpoint/2010/main" val="1144246701"/>
+              </p:ext>
+            </p:extLst>
           </p:nvPr>
-        </p:nvSpPr>
-        <p:spPr/>
-        <p:txBody>
-          <a:bodyPr/>
-          <a:lstStyle/>
-          <a:p>
-            <a:r>
-              <a:rPr lang="ko-KR" altLang="en-US" dirty="0"/>
-              <a:t>쿠폰 발급 </a:t>
-            </a:r>
-            <a:r>
-              <a:rPr lang="en-US" altLang="ko-KR" dirty="0"/>
-              <a:t>(</a:t>
-            </a:r>
-            <a:r>
-              <a:rPr lang="ko-KR" altLang="en-US" dirty="0"/>
-              <a:t>손님의 </a:t>
-            </a:r>
-            <a:r>
-              <a:rPr lang="en-US" altLang="ko-KR" dirty="0"/>
-              <a:t>QR</a:t>
-            </a:r>
-            <a:r>
-              <a:rPr lang="ko-KR" altLang="en-US" dirty="0"/>
-              <a:t>코드 스캔 </a:t>
-            </a:r>
-            <a:r>
-              <a:rPr lang="ko-KR" altLang="en-US" dirty="0" err="1"/>
-              <a:t>가능해야함</a:t>
-            </a:r>
-            <a:r>
-              <a:rPr lang="en-US" altLang="ko-KR" dirty="0"/>
-              <a:t>)</a:t>
-            </a:r>
-          </a:p>
-          <a:p>
-            <a:r>
-              <a:rPr lang="ko-KR" altLang="en-US" dirty="0"/>
-              <a:t>카페 등록 </a:t>
-            </a:r>
-            <a:r>
-              <a:rPr lang="en-US" altLang="ko-KR" dirty="0"/>
-              <a:t>(</a:t>
-            </a:r>
-            <a:r>
-              <a:rPr lang="ko-KR" altLang="en-US" dirty="0"/>
-              <a:t>개인이 여러 개의 카페를 소유 가능하므로 여러 개 등록 가능</a:t>
-            </a:r>
-            <a:r>
-              <a:rPr lang="en-US" altLang="ko-KR" dirty="0"/>
-              <a:t>)</a:t>
-            </a:r>
-          </a:p>
-          <a:p>
-            <a:r>
-              <a:rPr lang="ko-KR" altLang="en-US" dirty="0"/>
-              <a:t>카페 검색을 통한 등록 </a:t>
-            </a:r>
-            <a:r>
-              <a:rPr lang="en-US" altLang="ko-KR" dirty="0"/>
-              <a:t>(</a:t>
-            </a:r>
-            <a:r>
-              <a:rPr lang="ko-KR" altLang="en-US" dirty="0"/>
-              <a:t>이미 등록된 카페의 관리자로 등록</a:t>
-            </a:r>
-            <a:r>
-              <a:rPr lang="en-US" altLang="ko-KR" dirty="0"/>
-              <a:t>. </a:t>
-            </a:r>
-            <a:r>
-              <a:rPr lang="ko-KR" altLang="en-US" dirty="0"/>
-              <a:t>기기가 여러 대 혹은 관리자가 여러 명</a:t>
-            </a:r>
-            <a:r>
-              <a:rPr lang="en-US" altLang="ko-KR" dirty="0"/>
-              <a:t>, </a:t>
-            </a:r>
-            <a:r>
-              <a:rPr lang="ko-KR" altLang="en-US" dirty="0"/>
-              <a:t>카페 양도 가능성</a:t>
-            </a:r>
-            <a:r>
-              <a:rPr lang="en-US" altLang="ko-KR" dirty="0"/>
-              <a:t>)</a:t>
-            </a:r>
-          </a:p>
-          <a:p>
-            <a:r>
-              <a:rPr lang="ko-KR" altLang="en-US" dirty="0"/>
-              <a:t>이미 사용한 쿠폰 취소 가능 해야함</a:t>
-            </a:r>
-            <a:r>
-              <a:rPr lang="en-US" altLang="ko-KR" dirty="0"/>
-              <a:t>(QR</a:t>
-            </a:r>
-            <a:r>
-              <a:rPr lang="ko-KR" altLang="en-US" dirty="0"/>
-              <a:t>코드로 스캔했는데</a:t>
-            </a:r>
-            <a:r>
-              <a:rPr lang="en-US" altLang="ko-KR" dirty="0"/>
-              <a:t>, </a:t>
-            </a:r>
-            <a:r>
-              <a:rPr lang="ko-KR" altLang="en-US" dirty="0"/>
-              <a:t>고객이 취소 요청할 수 있음</a:t>
-            </a:r>
-            <a:r>
-              <a:rPr lang="en-US" altLang="ko-KR" dirty="0"/>
-              <a:t>)</a:t>
-            </a:r>
-          </a:p>
-          <a:p>
-            <a:r>
-              <a:rPr lang="ko-KR" altLang="en-US" dirty="0"/>
-              <a:t>이미 사용된 쿠폰들 기록 가능하며</a:t>
-            </a:r>
-            <a:r>
-              <a:rPr lang="en-US" altLang="ko-KR" dirty="0"/>
-              <a:t>,</a:t>
-            </a:r>
-            <a:r>
-              <a:rPr lang="ko-KR" altLang="en-US" dirty="0"/>
-              <a:t> 조회 </a:t>
-            </a:r>
-            <a:r>
-              <a:rPr lang="ko-KR" altLang="en-US" dirty="0" err="1"/>
-              <a:t>가능해야함</a:t>
-            </a:r>
-            <a:endParaRPr lang="en-US" altLang="ko-KR" dirty="0"/>
-          </a:p>
-          <a:p>
-            <a:endParaRPr lang="en-US" altLang="ko-KR" dirty="0"/>
-          </a:p>
-          <a:p>
-            <a:endParaRPr lang="en-US" altLang="ko-KR" dirty="0"/>
-          </a:p>
-        </p:txBody>
-      </p:sp>
+        </p:nvGraphicFramePr>
+        <p:xfrm>
+          <a:off x="608314" y="1690687"/>
+          <a:ext cx="10839048" cy="4675388"/>
+        </p:xfrm>
+        <a:graphic>
+          <a:graphicData uri="http://schemas.openxmlformats.org/drawingml/2006/table">
+            <a:tbl>
+              <a:tblPr firstRow="1" bandRow="1">
+                <a:tableStyleId>{5C22544A-7EE6-4342-B048-85BDC9FD1C3A}</a:tableStyleId>
+              </a:tblPr>
+              <a:tblGrid>
+                <a:gridCol w="468132">
+                  <a:extLst>
+                    <a:ext uri="{9D8B030D-6E8A-4147-A177-3AD203B41FA5}">
+                      <a16:colId xmlns:a16="http://schemas.microsoft.com/office/drawing/2014/main" val="3005488393"/>
+                    </a:ext>
+                  </a:extLst>
+                </a:gridCol>
+                <a:gridCol w="2002420">
+                  <a:extLst>
+                    <a:ext uri="{9D8B030D-6E8A-4147-A177-3AD203B41FA5}">
+                      <a16:colId xmlns:a16="http://schemas.microsoft.com/office/drawing/2014/main" val="1429302032"/>
+                    </a:ext>
+                  </a:extLst>
+                </a:gridCol>
+                <a:gridCol w="7546693">
+                  <a:extLst>
+                    <a:ext uri="{9D8B030D-6E8A-4147-A177-3AD203B41FA5}">
+                      <a16:colId xmlns:a16="http://schemas.microsoft.com/office/drawing/2014/main" val="153443893"/>
+                    </a:ext>
+                  </a:extLst>
+                </a:gridCol>
+                <a:gridCol w="821803">
+                  <a:extLst>
+                    <a:ext uri="{9D8B030D-6E8A-4147-A177-3AD203B41FA5}">
+                      <a16:colId xmlns:a16="http://schemas.microsoft.com/office/drawing/2014/main" val="4165750188"/>
+                    </a:ext>
+                  </a:extLst>
+                </a:gridCol>
+              </a:tblGrid>
+              <a:tr h="411264">
+                <a:tc>
+                  <a:txBody>
+                    <a:bodyPr/>
+                    <a:lstStyle/>
+                    <a:p>
+                      <a:pPr algn="ctr" latinLnBrk="1"/>
+                      <a:r>
+                        <a:rPr lang="en-US" altLang="ko-KR" sz="1400" dirty="0"/>
+                        <a:t>No.</a:t>
+                      </a:r>
+                      <a:endParaRPr lang="ko-KR" altLang="en-US" sz="1400" dirty="0"/>
+                    </a:p>
+                  </a:txBody>
+                  <a:tcPr/>
+                </a:tc>
+                <a:tc>
+                  <a:txBody>
+                    <a:bodyPr/>
+                    <a:lstStyle/>
+                    <a:p>
+                      <a:pPr algn="ctr" latinLnBrk="1"/>
+                      <a:r>
+                        <a:rPr lang="ko-KR" altLang="en-US" sz="1400" dirty="0"/>
+                        <a:t>기능적 요구사항</a:t>
+                      </a:r>
+                    </a:p>
+                  </a:txBody>
+                  <a:tcPr/>
+                </a:tc>
+                <a:tc>
+                  <a:txBody>
+                    <a:bodyPr/>
+                    <a:lstStyle/>
+                    <a:p>
+                      <a:pPr algn="ctr" latinLnBrk="1"/>
+                      <a:r>
+                        <a:rPr lang="ko-KR" altLang="en-US" sz="1400" dirty="0"/>
+                        <a:t>설명</a:t>
+                      </a:r>
+                    </a:p>
+                  </a:txBody>
+                  <a:tcPr/>
+                </a:tc>
+                <a:tc>
+                  <a:txBody>
+                    <a:bodyPr/>
+                    <a:lstStyle/>
+                    <a:p>
+                      <a:pPr algn="ctr" latinLnBrk="1"/>
+                      <a:r>
+                        <a:rPr lang="ko-KR" altLang="en-US" sz="1400" dirty="0"/>
+                        <a:t>비고</a:t>
+                      </a:r>
+                    </a:p>
+                  </a:txBody>
+                  <a:tcPr/>
+                </a:tc>
+                <a:extLst>
+                  <a:ext uri="{0D108BD9-81ED-4DB2-BD59-A6C34878D82A}">
+                    <a16:rowId xmlns:a16="http://schemas.microsoft.com/office/drawing/2014/main" val="2854507561"/>
+                  </a:ext>
+                </a:extLst>
+              </a:tr>
+              <a:tr h="409755">
+                <a:tc>
+                  <a:txBody>
+                    <a:bodyPr/>
+                    <a:lstStyle/>
+                    <a:p>
+                      <a:pPr algn="ctr" latinLnBrk="1"/>
+                      <a:r>
+                        <a:rPr lang="en-US" altLang="ko-KR" sz="1400" dirty="0"/>
+                        <a:t>1-1</a:t>
+                      </a:r>
+                      <a:endParaRPr lang="ko-KR" altLang="en-US" sz="1400" dirty="0"/>
+                    </a:p>
+                  </a:txBody>
+                  <a:tcPr/>
+                </a:tc>
+                <a:tc>
+                  <a:txBody>
+                    <a:bodyPr/>
+                    <a:lstStyle/>
+                    <a:p>
+                      <a:pPr latinLnBrk="1"/>
+                      <a:r>
+                        <a:rPr lang="en-US" altLang="ko-KR" sz="1400" dirty="0"/>
+                        <a:t>QR</a:t>
+                      </a:r>
+                      <a:r>
+                        <a:rPr lang="ko-KR" altLang="en-US" sz="1400" dirty="0"/>
+                        <a:t>코드 스캐너</a:t>
+                      </a:r>
+                    </a:p>
+                  </a:txBody>
+                  <a:tcPr/>
+                </a:tc>
+                <a:tc>
+                  <a:txBody>
+                    <a:bodyPr/>
+                    <a:lstStyle/>
+                    <a:p>
+                      <a:pPr latinLnBrk="1"/>
+                      <a:r>
+                        <a:rPr lang="ko-KR" altLang="en-US" sz="1400" dirty="0"/>
+                        <a:t>손님의 </a:t>
+                      </a:r>
+                      <a:r>
+                        <a:rPr lang="en-US" altLang="ko-KR" sz="1400" dirty="0"/>
+                        <a:t>QR</a:t>
+                      </a:r>
+                      <a:r>
+                        <a:rPr lang="ko-KR" altLang="en-US" sz="1400" dirty="0"/>
+                        <a:t>코드 스캔 가능 해야함</a:t>
+                      </a:r>
+                      <a:r>
+                        <a:rPr lang="en-US" altLang="ko-KR" sz="1400" dirty="0"/>
+                        <a:t>.</a:t>
+                      </a:r>
+                      <a:endParaRPr lang="ko-KR" altLang="en-US" sz="1400" dirty="0"/>
+                    </a:p>
+                  </a:txBody>
+                  <a:tcPr/>
+                </a:tc>
+                <a:tc>
+                  <a:txBody>
+                    <a:bodyPr/>
+                    <a:lstStyle/>
+                    <a:p>
+                      <a:pPr latinLnBrk="1"/>
+                      <a:endParaRPr lang="ko-KR" altLang="en-US" sz="1400" dirty="0"/>
+                    </a:p>
+                  </a:txBody>
+                  <a:tcPr/>
+                </a:tc>
+                <a:extLst>
+                  <a:ext uri="{0D108BD9-81ED-4DB2-BD59-A6C34878D82A}">
+                    <a16:rowId xmlns:a16="http://schemas.microsoft.com/office/drawing/2014/main" val="3886950758"/>
+                  </a:ext>
+                </a:extLst>
+              </a:tr>
+              <a:tr h="462988">
+                <a:tc>
+                  <a:txBody>
+                    <a:bodyPr/>
+                    <a:lstStyle/>
+                    <a:p>
+                      <a:pPr algn="ctr" latinLnBrk="1"/>
+                      <a:r>
+                        <a:rPr lang="en-US" altLang="ko-KR" sz="1400" dirty="0"/>
+                        <a:t>1-2</a:t>
+                      </a:r>
+                      <a:endParaRPr lang="ko-KR" altLang="en-US" sz="1400" dirty="0"/>
+                    </a:p>
+                  </a:txBody>
+                  <a:tcPr/>
+                </a:tc>
+                <a:tc>
+                  <a:txBody>
+                    <a:bodyPr/>
+                    <a:lstStyle/>
+                    <a:p>
+                      <a:pPr latinLnBrk="1"/>
+                      <a:r>
+                        <a:rPr lang="ko-KR" altLang="en-US" sz="1400" dirty="0"/>
+                        <a:t>도장 찍기</a:t>
+                      </a:r>
+                    </a:p>
+                  </a:txBody>
+                  <a:tcPr/>
+                </a:tc>
+                <a:tc>
+                  <a:txBody>
+                    <a:bodyPr/>
+                    <a:lstStyle/>
+                    <a:p>
+                      <a:pPr latinLnBrk="1"/>
+                      <a:r>
+                        <a:rPr lang="ko-KR" altLang="en-US" sz="1400" dirty="0"/>
+                        <a:t>스캐너를 통해 도장 찍어야 함</a:t>
+                      </a:r>
+                      <a:r>
+                        <a:rPr lang="en-US" altLang="ko-KR" sz="1400" dirty="0"/>
+                        <a:t>.</a:t>
+                      </a:r>
+                      <a:endParaRPr lang="ko-KR" altLang="en-US" sz="1400" dirty="0"/>
+                    </a:p>
+                  </a:txBody>
+                  <a:tcPr/>
+                </a:tc>
+                <a:tc>
+                  <a:txBody>
+                    <a:bodyPr/>
+                    <a:lstStyle/>
+                    <a:p>
+                      <a:pPr latinLnBrk="1"/>
+                      <a:endParaRPr lang="ko-KR" altLang="en-US" sz="1400" dirty="0"/>
+                    </a:p>
+                  </a:txBody>
+                  <a:tcPr/>
+                </a:tc>
+                <a:extLst>
+                  <a:ext uri="{0D108BD9-81ED-4DB2-BD59-A6C34878D82A}">
+                    <a16:rowId xmlns:a16="http://schemas.microsoft.com/office/drawing/2014/main" val="2396882766"/>
+                  </a:ext>
+                </a:extLst>
+              </a:tr>
+              <a:tr h="474562">
+                <a:tc>
+                  <a:txBody>
+                    <a:bodyPr/>
+                    <a:lstStyle/>
+                    <a:p>
+                      <a:pPr algn="ctr" latinLnBrk="1"/>
+                      <a:r>
+                        <a:rPr lang="en-US" altLang="ko-KR" sz="1400" dirty="0"/>
+                        <a:t>1-3</a:t>
+                      </a:r>
+                      <a:endParaRPr lang="ko-KR" altLang="en-US" sz="1400" dirty="0"/>
+                    </a:p>
+                  </a:txBody>
+                  <a:tcPr/>
+                </a:tc>
+                <a:tc>
+                  <a:txBody>
+                    <a:bodyPr/>
+                    <a:lstStyle/>
+                    <a:p>
+                      <a:pPr latinLnBrk="1"/>
+                      <a:r>
+                        <a:rPr lang="ko-KR" altLang="en-US" sz="1400" dirty="0"/>
+                        <a:t>쿠폰 사용</a:t>
+                      </a:r>
+                    </a:p>
+                  </a:txBody>
+                  <a:tcPr/>
+                </a:tc>
+                <a:tc>
+                  <a:txBody>
+                    <a:bodyPr/>
+                    <a:lstStyle/>
+                    <a:p>
+                      <a:pPr latinLnBrk="1"/>
+                      <a:r>
+                        <a:rPr lang="ko-KR" altLang="en-US" sz="1400" dirty="0"/>
+                        <a:t>완성된 쿠폰을 </a:t>
+                      </a:r>
+                      <a:r>
+                        <a:rPr lang="en-US" altLang="ko-KR" sz="1400" dirty="0"/>
+                        <a:t>QR</a:t>
+                      </a:r>
+                      <a:r>
+                        <a:rPr lang="ko-KR" altLang="en-US" sz="1400" dirty="0"/>
+                        <a:t>스캐너를 통해 사용가능 해야함</a:t>
+                      </a:r>
+                    </a:p>
+                  </a:txBody>
+                  <a:tcPr/>
+                </a:tc>
+                <a:tc>
+                  <a:txBody>
+                    <a:bodyPr/>
+                    <a:lstStyle/>
+                    <a:p>
+                      <a:pPr latinLnBrk="1"/>
+                      <a:endParaRPr lang="ko-KR" altLang="en-US" sz="1400"/>
+                    </a:p>
+                  </a:txBody>
+                  <a:tcPr/>
+                </a:tc>
+                <a:extLst>
+                  <a:ext uri="{0D108BD9-81ED-4DB2-BD59-A6C34878D82A}">
+                    <a16:rowId xmlns:a16="http://schemas.microsoft.com/office/drawing/2014/main" val="191468898"/>
+                  </a:ext>
+                </a:extLst>
+              </a:tr>
+              <a:tr h="451412">
+                <a:tc>
+                  <a:txBody>
+                    <a:bodyPr/>
+                    <a:lstStyle/>
+                    <a:p>
+                      <a:pPr algn="ctr" latinLnBrk="1"/>
+                      <a:r>
+                        <a:rPr lang="en-US" altLang="ko-KR" sz="1400" dirty="0"/>
+                        <a:t>2-1</a:t>
+                      </a:r>
+                      <a:endParaRPr lang="ko-KR" altLang="en-US" sz="1400" dirty="0"/>
+                    </a:p>
+                  </a:txBody>
+                  <a:tcPr/>
+                </a:tc>
+                <a:tc>
+                  <a:txBody>
+                    <a:bodyPr/>
+                    <a:lstStyle/>
+                    <a:p>
+                      <a:pPr latinLnBrk="1"/>
+                      <a:r>
+                        <a:rPr lang="ko-KR" altLang="en-US" sz="1400" dirty="0"/>
+                        <a:t>카페 등록</a:t>
+                      </a:r>
+                    </a:p>
+                  </a:txBody>
+                  <a:tcPr/>
+                </a:tc>
+                <a:tc>
+                  <a:txBody>
+                    <a:bodyPr/>
+                    <a:lstStyle/>
+                    <a:p>
+                      <a:pPr latinLnBrk="1"/>
+                      <a:r>
+                        <a:rPr lang="ko-KR" altLang="en-US" sz="1400" dirty="0"/>
+                        <a:t>서버에 카페 등록 기능</a:t>
+                      </a:r>
+                      <a:r>
+                        <a:rPr lang="en-US" altLang="ko-KR" sz="1400" dirty="0"/>
+                        <a:t>. (</a:t>
+                      </a:r>
+                      <a:r>
+                        <a:rPr lang="ko-KR" altLang="en-US" sz="1400" dirty="0"/>
+                        <a:t>카페 이름</a:t>
+                      </a:r>
+                      <a:r>
+                        <a:rPr lang="en-US" altLang="ko-KR" sz="1400" dirty="0"/>
+                        <a:t>, </a:t>
+                      </a:r>
+                      <a:r>
+                        <a:rPr lang="ko-KR" altLang="en-US" sz="1400" dirty="0"/>
+                        <a:t>주소</a:t>
+                      </a:r>
+                      <a:r>
+                        <a:rPr lang="en-US" altLang="ko-KR" sz="1400" dirty="0"/>
+                        <a:t>, </a:t>
+                      </a:r>
+                      <a:r>
+                        <a:rPr lang="ko-KR" altLang="en-US" sz="1400" dirty="0"/>
+                        <a:t>연락처</a:t>
+                      </a:r>
+                      <a:r>
+                        <a:rPr lang="en-US" altLang="ko-KR" sz="1400" dirty="0"/>
+                        <a:t>, </a:t>
+                      </a:r>
+                      <a:r>
+                        <a:rPr lang="ko-KR" altLang="en-US" sz="1400" dirty="0"/>
+                        <a:t>관리자 등</a:t>
+                      </a:r>
+                      <a:r>
+                        <a:rPr lang="en-US" altLang="ko-KR" sz="1400" dirty="0"/>
+                        <a:t>)</a:t>
+                      </a:r>
+                      <a:endParaRPr lang="ko-KR" altLang="en-US" sz="1400" dirty="0"/>
+                    </a:p>
+                  </a:txBody>
+                  <a:tcPr/>
+                </a:tc>
+                <a:tc>
+                  <a:txBody>
+                    <a:bodyPr/>
+                    <a:lstStyle/>
+                    <a:p>
+                      <a:pPr latinLnBrk="1"/>
+                      <a:endParaRPr lang="ko-KR" altLang="en-US" sz="1400" dirty="0"/>
+                    </a:p>
+                  </a:txBody>
+                  <a:tcPr/>
+                </a:tc>
+                <a:extLst>
+                  <a:ext uri="{0D108BD9-81ED-4DB2-BD59-A6C34878D82A}">
+                    <a16:rowId xmlns:a16="http://schemas.microsoft.com/office/drawing/2014/main" val="3387680250"/>
+                  </a:ext>
+                </a:extLst>
+              </a:tr>
+              <a:tr h="451413">
+                <a:tc>
+                  <a:txBody>
+                    <a:bodyPr/>
+                    <a:lstStyle/>
+                    <a:p>
+                      <a:pPr algn="ctr" latinLnBrk="1"/>
+                      <a:r>
+                        <a:rPr lang="en-US" altLang="ko-KR" sz="1400" dirty="0"/>
+                        <a:t>2-2</a:t>
+                      </a:r>
+                      <a:endParaRPr lang="ko-KR" altLang="en-US" sz="1400" dirty="0"/>
+                    </a:p>
+                  </a:txBody>
+                  <a:tcPr/>
+                </a:tc>
+                <a:tc>
+                  <a:txBody>
+                    <a:bodyPr/>
+                    <a:lstStyle/>
+                    <a:p>
+                      <a:pPr latinLnBrk="1"/>
+                      <a:r>
+                        <a:rPr lang="ko-KR" altLang="en-US" sz="1400" dirty="0"/>
+                        <a:t>지도 이용</a:t>
+                      </a:r>
+                    </a:p>
+                  </a:txBody>
+                  <a:tcPr/>
+                </a:tc>
+                <a:tc>
+                  <a:txBody>
+                    <a:bodyPr/>
+                    <a:lstStyle/>
+                    <a:p>
+                      <a:pPr latinLnBrk="1"/>
+                      <a:r>
+                        <a:rPr lang="ko-KR" altLang="en-US" sz="1400" dirty="0"/>
+                        <a:t>카페 등록 시</a:t>
+                      </a:r>
+                      <a:r>
+                        <a:rPr lang="en-US" altLang="ko-KR" sz="1400" dirty="0"/>
+                        <a:t>, </a:t>
+                      </a:r>
+                      <a:r>
+                        <a:rPr lang="ko-KR" altLang="en-US" sz="1400" dirty="0"/>
+                        <a:t>지도를 통해 본인의 카페 등록 가능 해야함</a:t>
+                      </a:r>
+                    </a:p>
+                  </a:txBody>
+                  <a:tcPr/>
+                </a:tc>
+                <a:tc>
+                  <a:txBody>
+                    <a:bodyPr/>
+                    <a:lstStyle/>
+                    <a:p>
+                      <a:pPr latinLnBrk="1"/>
+                      <a:endParaRPr lang="ko-KR" altLang="en-US" sz="1400" dirty="0"/>
+                    </a:p>
+                  </a:txBody>
+                  <a:tcPr/>
+                </a:tc>
+                <a:extLst>
+                  <a:ext uri="{0D108BD9-81ED-4DB2-BD59-A6C34878D82A}">
+                    <a16:rowId xmlns:a16="http://schemas.microsoft.com/office/drawing/2014/main" val="3015529234"/>
+                  </a:ext>
+                </a:extLst>
+              </a:tr>
+              <a:tr h="462987">
+                <a:tc>
+                  <a:txBody>
+                    <a:bodyPr/>
+                    <a:lstStyle/>
+                    <a:p>
+                      <a:pPr algn="ctr" latinLnBrk="1"/>
+                      <a:r>
+                        <a:rPr lang="en-US" altLang="ko-KR" sz="1400" dirty="0"/>
+                        <a:t>3-1</a:t>
+                      </a:r>
+                      <a:endParaRPr lang="ko-KR" altLang="en-US" sz="1400" dirty="0"/>
+                    </a:p>
+                  </a:txBody>
+                  <a:tcPr/>
+                </a:tc>
+                <a:tc>
+                  <a:txBody>
+                    <a:bodyPr/>
+                    <a:lstStyle/>
+                    <a:p>
+                      <a:pPr latinLnBrk="1"/>
+                      <a:r>
+                        <a:rPr lang="ko-KR" altLang="en-US" sz="1400" dirty="0"/>
+                        <a:t>카페 정보 수정</a:t>
+                      </a:r>
+                    </a:p>
+                  </a:txBody>
+                  <a:tcPr/>
+                </a:tc>
+                <a:tc>
+                  <a:txBody>
+                    <a:bodyPr/>
+                    <a:lstStyle/>
+                    <a:p>
+                      <a:pPr latinLnBrk="1"/>
+                      <a:r>
+                        <a:rPr lang="ko-KR" altLang="en-US" sz="1400" dirty="0"/>
+                        <a:t>카페 정보를 수정 가능 해야함</a:t>
+                      </a:r>
+                      <a:r>
+                        <a:rPr lang="en-US" altLang="ko-KR" sz="1400" dirty="0"/>
+                        <a:t>. </a:t>
+                      </a:r>
+                      <a:endParaRPr lang="ko-KR" altLang="en-US" sz="1400" dirty="0"/>
+                    </a:p>
+                  </a:txBody>
+                  <a:tcPr/>
+                </a:tc>
+                <a:tc>
+                  <a:txBody>
+                    <a:bodyPr/>
+                    <a:lstStyle/>
+                    <a:p>
+                      <a:pPr latinLnBrk="1"/>
+                      <a:endParaRPr lang="ko-KR" altLang="en-US" sz="1400" dirty="0"/>
+                    </a:p>
+                  </a:txBody>
+                  <a:tcPr/>
+                </a:tc>
+                <a:extLst>
+                  <a:ext uri="{0D108BD9-81ED-4DB2-BD59-A6C34878D82A}">
+                    <a16:rowId xmlns:a16="http://schemas.microsoft.com/office/drawing/2014/main" val="1002945298"/>
+                  </a:ext>
+                </a:extLst>
+              </a:tr>
+              <a:tr h="462987">
+                <a:tc>
+                  <a:txBody>
+                    <a:bodyPr/>
+                    <a:lstStyle/>
+                    <a:p>
+                      <a:pPr algn="ctr" latinLnBrk="1"/>
+                      <a:r>
+                        <a:rPr lang="en-US" altLang="ko-KR" sz="1400" dirty="0"/>
+                        <a:t>3-2</a:t>
+                      </a:r>
+                      <a:endParaRPr lang="ko-KR" altLang="en-US" sz="1400" dirty="0"/>
+                    </a:p>
+                  </a:txBody>
+                  <a:tcPr/>
+                </a:tc>
+                <a:tc>
+                  <a:txBody>
+                    <a:bodyPr/>
+                    <a:lstStyle/>
+                    <a:p>
+                      <a:pPr latinLnBrk="1"/>
+                      <a:r>
+                        <a:rPr lang="ko-KR" altLang="en-US" sz="1400" dirty="0"/>
+                        <a:t>관리자 등록</a:t>
+                      </a:r>
+                    </a:p>
+                  </a:txBody>
+                  <a:tcPr/>
+                </a:tc>
+                <a:tc>
+                  <a:txBody>
+                    <a:bodyPr/>
+                    <a:lstStyle/>
+                    <a:p>
+                      <a:pPr latinLnBrk="1"/>
+                      <a:r>
+                        <a:rPr lang="ko-KR" altLang="en-US" sz="1400" dirty="0"/>
+                        <a:t>여러 명의 관리자가 존재 가능</a:t>
+                      </a:r>
+                      <a:r>
+                        <a:rPr lang="en-US" altLang="ko-KR" sz="1400" dirty="0"/>
+                        <a:t>. </a:t>
+                      </a:r>
+                      <a:r>
+                        <a:rPr lang="ko-KR" altLang="en-US" sz="1400" dirty="0"/>
+                        <a:t>이메일을 통한 초대를 통해 관리자 추가 가능</a:t>
+                      </a:r>
+                    </a:p>
+                  </a:txBody>
+                  <a:tcPr/>
+                </a:tc>
+                <a:tc>
+                  <a:txBody>
+                    <a:bodyPr/>
+                    <a:lstStyle/>
+                    <a:p>
+                      <a:pPr latinLnBrk="1"/>
+                      <a:endParaRPr lang="ko-KR" altLang="en-US" sz="1400" dirty="0"/>
+                    </a:p>
+                  </a:txBody>
+                  <a:tcPr/>
+                </a:tc>
+                <a:extLst>
+                  <a:ext uri="{0D108BD9-81ED-4DB2-BD59-A6C34878D82A}">
+                    <a16:rowId xmlns:a16="http://schemas.microsoft.com/office/drawing/2014/main" val="4177059034"/>
+                  </a:ext>
+                </a:extLst>
+              </a:tr>
+              <a:tr h="544010">
+                <a:tc>
+                  <a:txBody>
+                    <a:bodyPr/>
+                    <a:lstStyle/>
+                    <a:p>
+                      <a:pPr algn="ctr" latinLnBrk="1"/>
+                      <a:r>
+                        <a:rPr lang="en-US" altLang="ko-KR" sz="1400" dirty="0"/>
+                        <a:t>4-1</a:t>
+                      </a:r>
+                      <a:endParaRPr lang="ko-KR" altLang="en-US" sz="1400" dirty="0"/>
+                    </a:p>
+                  </a:txBody>
+                  <a:tcPr/>
+                </a:tc>
+                <a:tc>
+                  <a:txBody>
+                    <a:bodyPr/>
+                    <a:lstStyle/>
+                    <a:p>
+                      <a:pPr latinLnBrk="1"/>
+                      <a:r>
+                        <a:rPr lang="ko-KR" altLang="en-US" sz="1400" dirty="0"/>
+                        <a:t>스탬프 발급 내역 및 쿠폰 사용내역 조회</a:t>
+                      </a:r>
+                    </a:p>
+                  </a:txBody>
+                  <a:tcPr/>
+                </a:tc>
+                <a:tc>
+                  <a:txBody>
+                    <a:bodyPr/>
+                    <a:lstStyle/>
+                    <a:p>
+                      <a:pPr latinLnBrk="1"/>
+                      <a:r>
+                        <a:rPr lang="ko-KR" altLang="en-US" sz="1400" dirty="0"/>
+                        <a:t>본인의 카페에서 발급하거나 사용한 쿠폰을 시간과 함께 조회 가능 해야함</a:t>
+                      </a:r>
+                    </a:p>
+                  </a:txBody>
+                  <a:tcPr/>
+                </a:tc>
+                <a:tc>
+                  <a:txBody>
+                    <a:bodyPr/>
+                    <a:lstStyle/>
+                    <a:p>
+                      <a:pPr latinLnBrk="1"/>
+                      <a:endParaRPr lang="ko-KR" altLang="en-US" sz="1400" dirty="0"/>
+                    </a:p>
+                  </a:txBody>
+                  <a:tcPr/>
+                </a:tc>
+                <a:extLst>
+                  <a:ext uri="{0D108BD9-81ED-4DB2-BD59-A6C34878D82A}">
+                    <a16:rowId xmlns:a16="http://schemas.microsoft.com/office/drawing/2014/main" val="2715178778"/>
+                  </a:ext>
+                </a:extLst>
+              </a:tr>
+              <a:tr h="544010">
+                <a:tc>
+                  <a:txBody>
+                    <a:bodyPr/>
+                    <a:lstStyle/>
+                    <a:p>
+                      <a:pPr algn="ctr" latinLnBrk="1"/>
+                      <a:r>
+                        <a:rPr lang="en-US" altLang="ko-KR" sz="1400" dirty="0"/>
+                        <a:t>4-2</a:t>
+                      </a:r>
+                      <a:endParaRPr lang="ko-KR" altLang="en-US" sz="1400" dirty="0"/>
+                    </a:p>
+                  </a:txBody>
+                  <a:tcPr/>
+                </a:tc>
+                <a:tc>
+                  <a:txBody>
+                    <a:bodyPr/>
+                    <a:lstStyle/>
+                    <a:p>
+                      <a:pPr latinLnBrk="1"/>
+                      <a:r>
+                        <a:rPr lang="ko-KR" altLang="en-US" sz="1400" dirty="0"/>
+                        <a:t>이미 사용한 쿠폰 취소</a:t>
+                      </a:r>
+                    </a:p>
+                  </a:txBody>
+                  <a:tcPr/>
+                </a:tc>
+                <a:tc>
+                  <a:txBody>
+                    <a:bodyPr/>
+                    <a:lstStyle/>
+                    <a:p>
+                      <a:pPr latinLnBrk="1"/>
+                      <a:r>
+                        <a:rPr lang="ko-KR" altLang="en-US" sz="1400" dirty="0"/>
+                        <a:t>고객의 </a:t>
+                      </a:r>
+                      <a:r>
+                        <a:rPr lang="en-US" altLang="ko-KR" sz="1400" dirty="0"/>
+                        <a:t>QR</a:t>
+                      </a:r>
+                      <a:r>
+                        <a:rPr lang="ko-KR" altLang="en-US" sz="1400" dirty="0"/>
+                        <a:t>코드를 스캔했는데 이를 취소 가능함</a:t>
+                      </a:r>
+                      <a:r>
+                        <a:rPr lang="en-US" altLang="ko-KR" sz="1400" dirty="0"/>
+                        <a:t>.</a:t>
+                      </a:r>
+                      <a:endParaRPr lang="ko-KR" altLang="en-US" sz="1400" dirty="0"/>
+                    </a:p>
+                  </a:txBody>
+                  <a:tcPr/>
+                </a:tc>
+                <a:tc>
+                  <a:txBody>
+                    <a:bodyPr/>
+                    <a:lstStyle/>
+                    <a:p>
+                      <a:pPr latinLnBrk="1"/>
+                      <a:endParaRPr lang="ko-KR" altLang="en-US" sz="1400" dirty="0"/>
+                    </a:p>
+                  </a:txBody>
+                  <a:tcPr/>
+                </a:tc>
+                <a:extLst>
+                  <a:ext uri="{0D108BD9-81ED-4DB2-BD59-A6C34878D82A}">
+                    <a16:rowId xmlns:a16="http://schemas.microsoft.com/office/drawing/2014/main" val="2271876642"/>
+                  </a:ext>
+                </a:extLst>
+              </a:tr>
+            </a:tbl>
+          </a:graphicData>
+        </a:graphic>
+      </p:graphicFrame>
     </p:spTree>
     <p:extLst>
       <p:ext uri="{BB962C8B-B14F-4D97-AF65-F5344CB8AC3E}">
@@ -6277,6 +6901,211 @@
     <p:extLst>
       <p:ext uri="{BB962C8B-B14F-4D97-AF65-F5344CB8AC3E}">
         <p14:creationId xmlns:p14="http://schemas.microsoft.com/office/powerpoint/2010/main" val="2522843699"/>
+      </p:ext>
+    </p:extLst>
+  </p:cSld>
+  <p:clrMapOvr>
+    <a:masterClrMapping/>
+  </p:clrMapOvr>
+</p:sld>
+</file>
+
+<file path=ppt/slides/slide9.xml><?xml version="1.0" encoding="utf-8"?>
+<p:sld xmlns:a="http://schemas.openxmlformats.org/drawingml/2006/main" xmlns:r="http://schemas.openxmlformats.org/officeDocument/2006/relationships" xmlns:p="http://schemas.openxmlformats.org/presentationml/2006/main">
+  <p:cSld>
+    <p:spTree>
+      <p:nvGrpSpPr>
+        <p:cNvPr id="1" name=""/>
+        <p:cNvGrpSpPr/>
+        <p:nvPr/>
+      </p:nvGrpSpPr>
+      <p:grpSpPr>
+        <a:xfrm>
+          <a:off x="0" y="0"/>
+          <a:ext cx="0" cy="0"/>
+          <a:chOff x="0" y="0"/>
+          <a:chExt cx="0" cy="0"/>
+        </a:xfrm>
+      </p:grpSpPr>
+      <p:sp>
+        <p:nvSpPr>
+          <p:cNvPr id="6" name="TextBox 5">
+            <a:extLst>
+              <a:ext uri="{FF2B5EF4-FFF2-40B4-BE49-F238E27FC236}">
+                <a16:creationId xmlns:a16="http://schemas.microsoft.com/office/drawing/2014/main" id="{FF794CE9-18DB-4D59-AAF5-CF24B0E85FD2}"/>
+              </a:ext>
+            </a:extLst>
+          </p:cNvPr>
+          <p:cNvSpPr txBox="1"/>
+          <p:nvPr/>
+        </p:nvSpPr>
+        <p:spPr>
+          <a:xfrm>
+            <a:off x="349746" y="573574"/>
+            <a:ext cx="2194832" cy="369332"/>
+          </a:xfrm>
+          <a:prstGeom prst="rect">
+            <a:avLst/>
+          </a:prstGeom>
+          <a:noFill/>
+        </p:spPr>
+        <p:txBody>
+          <a:bodyPr wrap="none" rtlCol="0">
+            <a:spAutoFit/>
+          </a:bodyPr>
+          <a:lstStyle/>
+          <a:p>
+            <a:r>
+              <a:rPr lang="ko-KR" altLang="en-US" dirty="0"/>
+              <a:t>쿠폰을 사용한 경우</a:t>
+            </a:r>
+          </a:p>
+        </p:txBody>
+      </p:sp>
+      <p:pic>
+        <p:nvPicPr>
+          <p:cNvPr id="7" name="그림 6">
+            <a:extLst>
+              <a:ext uri="{FF2B5EF4-FFF2-40B4-BE49-F238E27FC236}">
+                <a16:creationId xmlns:a16="http://schemas.microsoft.com/office/drawing/2014/main" id="{6E724743-B2BF-43E7-A12C-FF59C32A2976}"/>
+              </a:ext>
+            </a:extLst>
+          </p:cNvPr>
+          <p:cNvPicPr>
+            <a:picLocks noChangeAspect="1"/>
+          </p:cNvPicPr>
+          <p:nvPr/>
+        </p:nvPicPr>
+        <p:blipFill>
+          <a:blip r:embed="rId2"/>
+          <a:stretch>
+            <a:fillRect/>
+          </a:stretch>
+        </p:blipFill>
+        <p:spPr>
+          <a:xfrm>
+            <a:off x="7223898" y="1633200"/>
+            <a:ext cx="2564932" cy="4281894"/>
+          </a:xfrm>
+          <a:prstGeom prst="rect">
+            <a:avLst/>
+          </a:prstGeom>
+        </p:spPr>
+      </p:pic>
+      <p:pic>
+        <p:nvPicPr>
+          <p:cNvPr id="3" name="그림 2">
+            <a:extLst>
+              <a:ext uri="{FF2B5EF4-FFF2-40B4-BE49-F238E27FC236}">
+                <a16:creationId xmlns:a16="http://schemas.microsoft.com/office/drawing/2014/main" id="{9F45E7E4-9F47-4384-834B-E29E7E61361A}"/>
+              </a:ext>
+            </a:extLst>
+          </p:cNvPr>
+          <p:cNvPicPr>
+            <a:picLocks noChangeAspect="1"/>
+          </p:cNvPicPr>
+          <p:nvPr/>
+        </p:nvPicPr>
+        <p:blipFill>
+          <a:blip r:embed="rId3"/>
+          <a:stretch>
+            <a:fillRect/>
+          </a:stretch>
+        </p:blipFill>
+        <p:spPr>
+          <a:xfrm>
+            <a:off x="4279027" y="1633200"/>
+            <a:ext cx="2602019" cy="4281894"/>
+          </a:xfrm>
+          <a:prstGeom prst="rect">
+            <a:avLst/>
+          </a:prstGeom>
+        </p:spPr>
+      </p:pic>
+      <p:pic>
+        <p:nvPicPr>
+          <p:cNvPr id="5" name="그림 4">
+            <a:extLst>
+              <a:ext uri="{FF2B5EF4-FFF2-40B4-BE49-F238E27FC236}">
+                <a16:creationId xmlns:a16="http://schemas.microsoft.com/office/drawing/2014/main" id="{93C5FBB8-1E48-4316-83BF-6698D4C54793}"/>
+              </a:ext>
+            </a:extLst>
+          </p:cNvPr>
+          <p:cNvPicPr>
+            <a:picLocks noChangeAspect="1"/>
+          </p:cNvPicPr>
+          <p:nvPr/>
+        </p:nvPicPr>
+        <p:blipFill>
+          <a:blip r:embed="rId4"/>
+          <a:stretch>
+            <a:fillRect/>
+          </a:stretch>
+        </p:blipFill>
+        <p:spPr>
+          <a:xfrm>
+            <a:off x="1334155" y="1633200"/>
+            <a:ext cx="2602020" cy="4329531"/>
+          </a:xfrm>
+          <a:prstGeom prst="rect">
+            <a:avLst/>
+          </a:prstGeom>
+        </p:spPr>
+      </p:pic>
+      <p:sp>
+        <p:nvSpPr>
+          <p:cNvPr id="8" name="TextBox 7">
+            <a:extLst>
+              <a:ext uri="{FF2B5EF4-FFF2-40B4-BE49-F238E27FC236}">
+                <a16:creationId xmlns:a16="http://schemas.microsoft.com/office/drawing/2014/main" id="{A163C6DF-F827-4E02-8A94-3F21A9773DAD}"/>
+              </a:ext>
+            </a:extLst>
+          </p:cNvPr>
+          <p:cNvSpPr txBox="1"/>
+          <p:nvPr/>
+        </p:nvSpPr>
+        <p:spPr>
+          <a:xfrm>
+            <a:off x="1172110" y="6211669"/>
+            <a:ext cx="7034341" cy="646331"/>
+          </a:xfrm>
+          <a:prstGeom prst="rect">
+            <a:avLst/>
+          </a:prstGeom>
+          <a:noFill/>
+        </p:spPr>
+        <p:txBody>
+          <a:bodyPr wrap="square" rtlCol="0">
+            <a:spAutoFit/>
+          </a:bodyPr>
+          <a:lstStyle/>
+          <a:p>
+            <a:r>
+              <a:rPr lang="ko-KR" altLang="en-US" dirty="0"/>
+              <a:t>사용이 완료된 경우 다 쓴 효과가 나타나며 사용 날짜가 함께 표시</a:t>
+            </a:r>
+            <a:endParaRPr lang="en-US" altLang="ko-KR" dirty="0"/>
+          </a:p>
+          <a:p>
+            <a:r>
+              <a:rPr lang="ko-KR" altLang="en-US" dirty="0"/>
+              <a:t>디자인은 정해진 바 없음</a:t>
+            </a:r>
+            <a:r>
+              <a:rPr lang="en-US" altLang="ko-KR" dirty="0"/>
+              <a:t>. </a:t>
+            </a:r>
+            <a:r>
+              <a:rPr lang="ko-KR" altLang="en-US" dirty="0"/>
+              <a:t>휴지통 등을 통해 삭제 가능하게 할 예정</a:t>
+            </a:r>
+          </a:p>
+        </p:txBody>
+      </p:sp>
+    </p:spTree>
+    <p:extLst>
+      <p:ext uri="{BB962C8B-B14F-4D97-AF65-F5344CB8AC3E}">
+        <p14:creationId xmlns:p14="http://schemas.microsoft.com/office/powerpoint/2010/main" val="4076855495"/>
       </p:ext>
     </p:extLst>
   </p:cSld>
